--- a/images/style.pptx
+++ b/images/style.pptx
@@ -5,17 +5,18 @@
     <p:sldMasterId id="2147483648" r:id="rId1"/>
   </p:sldMasterIdLst>
   <p:notesMasterIdLst>
-    <p:notesMasterId r:id="rId10"/>
+    <p:notesMasterId r:id="rId11"/>
   </p:notesMasterIdLst>
   <p:sldIdLst>
     <p:sldId id="256" r:id="rId2"/>
     <p:sldId id="257" r:id="rId3"/>
-    <p:sldId id="258" r:id="rId4"/>
+    <p:sldId id="264" r:id="rId4"/>
     <p:sldId id="259" r:id="rId5"/>
-    <p:sldId id="260" r:id="rId6"/>
-    <p:sldId id="261" r:id="rId7"/>
-    <p:sldId id="262" r:id="rId8"/>
-    <p:sldId id="263" r:id="rId9"/>
+    <p:sldId id="265" r:id="rId6"/>
+    <p:sldId id="260" r:id="rId7"/>
+    <p:sldId id="261" r:id="rId8"/>
+    <p:sldId id="262" r:id="rId9"/>
+    <p:sldId id="263" r:id="rId10"/>
   </p:sldIdLst>
   <p:sldSz cx="9144000" cy="6858000" type="screen4x3"/>
   <p:notesSz cx="6858000" cy="9144000"/>
@@ -200,7 +201,7 @@
             <a:fld id="{A00E8BF8-3834-41CD-8D2C-1A8AEE216FA6}" type="datetimeFigureOut">
               <a:rPr lang="en-GB" smtClean="0"/>
               <a:pPr/>
-              <a:t>30/01/2015</a:t>
+              <a:t>17/02/2015</a:t>
             </a:fld>
             <a:endParaRPr lang="en-GB"/>
           </a:p>
@@ -534,7 +535,7 @@
             <a:fld id="{1667B4E5-824C-4A1E-BBF9-5B817C6D03A4}" type="slidenum">
               <a:rPr lang="en-GB" smtClean="0"/>
               <a:pPr/>
-              <a:t>6</a:t>
+              <a:t>7</a:t>
             </a:fld>
             <a:endParaRPr lang="en-GB"/>
           </a:p>
@@ -730,7 +731,7 @@
             <a:fld id="{972E2E69-7931-4F78-AC03-7197C7B7D7E3}" type="datetimeFigureOut">
               <a:rPr lang="en-GB" smtClean="0"/>
               <a:pPr/>
-              <a:t>30/01/2015</a:t>
+              <a:t>17/02/2015</a:t>
             </a:fld>
             <a:endParaRPr lang="en-GB"/>
           </a:p>
@@ -897,7 +898,7 @@
             <a:fld id="{972E2E69-7931-4F78-AC03-7197C7B7D7E3}" type="datetimeFigureOut">
               <a:rPr lang="en-GB" smtClean="0"/>
               <a:pPr/>
-              <a:t>30/01/2015</a:t>
+              <a:t>17/02/2015</a:t>
             </a:fld>
             <a:endParaRPr lang="en-GB"/>
           </a:p>
@@ -1074,7 +1075,7 @@
             <a:fld id="{972E2E69-7931-4F78-AC03-7197C7B7D7E3}" type="datetimeFigureOut">
               <a:rPr lang="en-GB" smtClean="0"/>
               <a:pPr/>
-              <a:t>30/01/2015</a:t>
+              <a:t>17/02/2015</a:t>
             </a:fld>
             <a:endParaRPr lang="en-GB"/>
           </a:p>
@@ -1241,7 +1242,7 @@
             <a:fld id="{972E2E69-7931-4F78-AC03-7197C7B7D7E3}" type="datetimeFigureOut">
               <a:rPr lang="en-GB" smtClean="0"/>
               <a:pPr/>
-              <a:t>30/01/2015</a:t>
+              <a:t>17/02/2015</a:t>
             </a:fld>
             <a:endParaRPr lang="en-GB"/>
           </a:p>
@@ -1484,7 +1485,7 @@
             <a:fld id="{972E2E69-7931-4F78-AC03-7197C7B7D7E3}" type="datetimeFigureOut">
               <a:rPr lang="en-GB" smtClean="0"/>
               <a:pPr/>
-              <a:t>30/01/2015</a:t>
+              <a:t>17/02/2015</a:t>
             </a:fld>
             <a:endParaRPr lang="en-GB"/>
           </a:p>
@@ -1769,7 +1770,7 @@
             <a:fld id="{972E2E69-7931-4F78-AC03-7197C7B7D7E3}" type="datetimeFigureOut">
               <a:rPr lang="en-GB" smtClean="0"/>
               <a:pPr/>
-              <a:t>30/01/2015</a:t>
+              <a:t>17/02/2015</a:t>
             </a:fld>
             <a:endParaRPr lang="en-GB"/>
           </a:p>
@@ -2188,7 +2189,7 @@
             <a:fld id="{972E2E69-7931-4F78-AC03-7197C7B7D7E3}" type="datetimeFigureOut">
               <a:rPr lang="en-GB" smtClean="0"/>
               <a:pPr/>
-              <a:t>30/01/2015</a:t>
+              <a:t>17/02/2015</a:t>
             </a:fld>
             <a:endParaRPr lang="en-GB"/>
           </a:p>
@@ -2303,7 +2304,7 @@
             <a:fld id="{972E2E69-7931-4F78-AC03-7197C7B7D7E3}" type="datetimeFigureOut">
               <a:rPr lang="en-GB" smtClean="0"/>
               <a:pPr/>
-              <a:t>30/01/2015</a:t>
+              <a:t>17/02/2015</a:t>
             </a:fld>
             <a:endParaRPr lang="en-GB"/>
           </a:p>
@@ -2395,7 +2396,7 @@
             <a:fld id="{972E2E69-7931-4F78-AC03-7197C7B7D7E3}" type="datetimeFigureOut">
               <a:rPr lang="en-GB" smtClean="0"/>
               <a:pPr/>
-              <a:t>30/01/2015</a:t>
+              <a:t>17/02/2015</a:t>
             </a:fld>
             <a:endParaRPr lang="en-GB"/>
           </a:p>
@@ -2669,7 +2670,7 @@
             <a:fld id="{972E2E69-7931-4F78-AC03-7197C7B7D7E3}" type="datetimeFigureOut">
               <a:rPr lang="en-GB" smtClean="0"/>
               <a:pPr/>
-              <a:t>30/01/2015</a:t>
+              <a:t>17/02/2015</a:t>
             </a:fld>
             <a:endParaRPr lang="en-GB"/>
           </a:p>
@@ -2919,7 +2920,7 @@
             <a:fld id="{972E2E69-7931-4F78-AC03-7197C7B7D7E3}" type="datetimeFigureOut">
               <a:rPr lang="en-GB" smtClean="0"/>
               <a:pPr/>
-              <a:t>30/01/2015</a:t>
+              <a:t>17/02/2015</a:t>
             </a:fld>
             <a:endParaRPr lang="en-GB"/>
           </a:p>
@@ -3129,7 +3130,7 @@
             <a:fld id="{972E2E69-7931-4F78-AC03-7197C7B7D7E3}" type="datetimeFigureOut">
               <a:rPr lang="en-GB" smtClean="0"/>
               <a:pPr/>
-              <a:t>30/01/2015</a:t>
+              <a:t>17/02/2015</a:t>
             </a:fld>
             <a:endParaRPr lang="en-GB"/>
           </a:p>
@@ -4492,7 +4493,7 @@
       </p:grpSpPr>
       <p:pic>
         <p:nvPicPr>
-          <p:cNvPr id="2050" name="Picture 2"/>
+          <p:cNvPr id="1027" name="Picture 3"/>
           <p:cNvPicPr>
             <a:picLocks noChangeAspect="1" noChangeArrowheads="1"/>
           </p:cNvPicPr>
@@ -4507,8 +4508,8 @@
         </p:blipFill>
         <p:spPr bwMode="auto">
           <a:xfrm>
-            <a:off x="2051720" y="1844824"/>
-            <a:ext cx="5000625" cy="2076450"/>
+            <a:off x="1979712" y="1268760"/>
+            <a:ext cx="5040560" cy="486675"/>
           </a:xfrm>
           <a:prstGeom prst="rect">
             <a:avLst/>
@@ -4522,271 +4523,9 @@
           </a:ln>
         </p:spPr>
       </p:pic>
-      <p:sp>
-        <p:nvSpPr>
-          <p:cNvPr id="6" name="Oval 5"/>
-          <p:cNvSpPr/>
-          <p:nvPr/>
-        </p:nvSpPr>
-        <p:spPr>
-          <a:xfrm>
-            <a:off x="2247776" y="1802929"/>
-            <a:ext cx="288032" cy="288032"/>
-          </a:xfrm>
-          <a:prstGeom prst="ellipse">
-            <a:avLst/>
-          </a:prstGeom>
-        </p:spPr>
-        <p:style>
-          <a:lnRef idx="2">
-            <a:schemeClr val="accent1">
-              <a:shade val="50000"/>
-            </a:schemeClr>
-          </a:lnRef>
-          <a:fillRef idx="1">
-            <a:schemeClr val="accent1"/>
-          </a:fillRef>
-          <a:effectRef idx="0">
-            <a:schemeClr val="accent1"/>
-          </a:effectRef>
-          <a:fontRef idx="minor">
-            <a:schemeClr val="lt1"/>
-          </a:fontRef>
-        </p:style>
-        <p:txBody>
-          <a:bodyPr rtlCol="0" anchor="ctr"/>
-          <a:lstStyle/>
-          <a:p>
-            <a:pPr algn="ctr"/>
-            <a:r>
-              <a:rPr lang="en-GB" dirty="0" smtClean="0"/>
-              <a:t>1</a:t>
-            </a:r>
-            <a:endParaRPr lang="en-GB" dirty="0"/>
-          </a:p>
-        </p:txBody>
-      </p:sp>
-      <p:sp>
-        <p:nvSpPr>
-          <p:cNvPr id="7" name="Oval 6"/>
-          <p:cNvSpPr/>
-          <p:nvPr/>
-        </p:nvSpPr>
-        <p:spPr>
-          <a:xfrm>
-            <a:off x="217984" y="227112"/>
-            <a:ext cx="288032" cy="288032"/>
-          </a:xfrm>
-          <a:prstGeom prst="ellipse">
-            <a:avLst/>
-          </a:prstGeom>
-        </p:spPr>
-        <p:style>
-          <a:lnRef idx="2">
-            <a:schemeClr val="accent1">
-              <a:shade val="50000"/>
-            </a:schemeClr>
-          </a:lnRef>
-          <a:fillRef idx="1">
-            <a:schemeClr val="accent1"/>
-          </a:fillRef>
-          <a:effectRef idx="0">
-            <a:schemeClr val="accent1"/>
-          </a:effectRef>
-          <a:fontRef idx="minor">
-            <a:schemeClr val="lt1"/>
-          </a:fontRef>
-        </p:style>
-        <p:txBody>
-          <a:bodyPr rtlCol="0" anchor="ctr"/>
-          <a:lstStyle/>
-          <a:p>
-            <a:pPr algn="ctr"/>
-            <a:r>
-              <a:rPr lang="en-GB" dirty="0" smtClean="0"/>
-              <a:t>2</a:t>
-            </a:r>
-            <a:endParaRPr lang="en-GB" dirty="0"/>
-          </a:p>
-        </p:txBody>
-      </p:sp>
-      <p:sp>
-        <p:nvSpPr>
-          <p:cNvPr id="8" name="Oval 7"/>
-          <p:cNvSpPr/>
-          <p:nvPr/>
-        </p:nvSpPr>
-        <p:spPr>
-          <a:xfrm>
-            <a:off x="4768056" y="2090961"/>
-            <a:ext cx="288032" cy="288032"/>
-          </a:xfrm>
-          <a:prstGeom prst="ellipse">
-            <a:avLst/>
-          </a:prstGeom>
-        </p:spPr>
-        <p:style>
-          <a:lnRef idx="2">
-            <a:schemeClr val="accent1">
-              <a:shade val="50000"/>
-            </a:schemeClr>
-          </a:lnRef>
-          <a:fillRef idx="1">
-            <a:schemeClr val="accent1"/>
-          </a:fillRef>
-          <a:effectRef idx="0">
-            <a:schemeClr val="accent1"/>
-          </a:effectRef>
-          <a:fontRef idx="minor">
-            <a:schemeClr val="lt1"/>
-          </a:fontRef>
-        </p:style>
-        <p:txBody>
-          <a:bodyPr rtlCol="0" anchor="ctr"/>
-          <a:lstStyle/>
-          <a:p>
-            <a:pPr algn="ctr"/>
-            <a:r>
-              <a:rPr lang="en-GB" dirty="0"/>
-              <a:t>2</a:t>
-            </a:r>
-          </a:p>
-        </p:txBody>
-      </p:sp>
-      <p:sp>
-        <p:nvSpPr>
-          <p:cNvPr id="9" name="Oval 8"/>
-          <p:cNvSpPr/>
-          <p:nvPr/>
-        </p:nvSpPr>
-        <p:spPr>
-          <a:xfrm>
-            <a:off x="4912072" y="2710005"/>
-            <a:ext cx="288032" cy="288032"/>
-          </a:xfrm>
-          <a:prstGeom prst="ellipse">
-            <a:avLst/>
-          </a:prstGeom>
-        </p:spPr>
-        <p:style>
-          <a:lnRef idx="2">
-            <a:schemeClr val="accent1">
-              <a:shade val="50000"/>
-            </a:schemeClr>
-          </a:lnRef>
-          <a:fillRef idx="1">
-            <a:schemeClr val="accent1"/>
-          </a:fillRef>
-          <a:effectRef idx="0">
-            <a:schemeClr val="accent1"/>
-          </a:effectRef>
-          <a:fontRef idx="minor">
-            <a:schemeClr val="lt1"/>
-          </a:fontRef>
-        </p:style>
-        <p:txBody>
-          <a:bodyPr rtlCol="0" anchor="ctr"/>
-          <a:lstStyle/>
-          <a:p>
-            <a:pPr algn="ctr"/>
-            <a:r>
-              <a:rPr lang="en-GB" dirty="0" smtClean="0"/>
-              <a:t>2</a:t>
-            </a:r>
-            <a:endParaRPr lang="en-GB" dirty="0"/>
-          </a:p>
-        </p:txBody>
-      </p:sp>
-      <p:sp>
-        <p:nvSpPr>
-          <p:cNvPr id="10" name="Oval 9"/>
-          <p:cNvSpPr/>
-          <p:nvPr/>
-        </p:nvSpPr>
-        <p:spPr>
-          <a:xfrm>
-            <a:off x="2103760" y="2523009"/>
-            <a:ext cx="288032" cy="288032"/>
-          </a:xfrm>
-          <a:prstGeom prst="ellipse">
-            <a:avLst/>
-          </a:prstGeom>
-        </p:spPr>
-        <p:style>
-          <a:lnRef idx="2">
-            <a:schemeClr val="accent1">
-              <a:shade val="50000"/>
-            </a:schemeClr>
-          </a:lnRef>
-          <a:fillRef idx="1">
-            <a:schemeClr val="accent1"/>
-          </a:fillRef>
-          <a:effectRef idx="0">
-            <a:schemeClr val="accent1"/>
-          </a:effectRef>
-          <a:fontRef idx="minor">
-            <a:schemeClr val="lt1"/>
-          </a:fontRef>
-        </p:style>
-        <p:txBody>
-          <a:bodyPr rtlCol="0" anchor="ctr"/>
-          <a:lstStyle/>
-          <a:p>
-            <a:pPr algn="ctr"/>
-            <a:r>
-              <a:rPr lang="en-GB" dirty="0" smtClean="0"/>
-              <a:t>3</a:t>
-            </a:r>
-            <a:endParaRPr lang="en-GB" dirty="0"/>
-          </a:p>
-        </p:txBody>
-      </p:sp>
-      <p:sp>
-        <p:nvSpPr>
-          <p:cNvPr id="11" name="Oval 10"/>
-          <p:cNvSpPr/>
-          <p:nvPr/>
-        </p:nvSpPr>
-        <p:spPr>
-          <a:xfrm>
-            <a:off x="3039864" y="2523009"/>
-            <a:ext cx="288032" cy="288032"/>
-          </a:xfrm>
-          <a:prstGeom prst="ellipse">
-            <a:avLst/>
-          </a:prstGeom>
-        </p:spPr>
-        <p:style>
-          <a:lnRef idx="2">
-            <a:schemeClr val="accent1">
-              <a:shade val="50000"/>
-            </a:schemeClr>
-          </a:lnRef>
-          <a:fillRef idx="1">
-            <a:schemeClr val="accent1"/>
-          </a:fillRef>
-          <a:effectRef idx="0">
-            <a:schemeClr val="accent1"/>
-          </a:effectRef>
-          <a:fontRef idx="minor">
-            <a:schemeClr val="lt1"/>
-          </a:fontRef>
-        </p:style>
-        <p:txBody>
-          <a:bodyPr rtlCol="0" anchor="ctr"/>
-          <a:lstStyle/>
-          <a:p>
-            <a:pPr algn="ctr"/>
-            <a:r>
-              <a:rPr lang="en-GB" dirty="0"/>
-              <a:t>4</a:t>
-            </a:r>
-          </a:p>
-        </p:txBody>
-      </p:sp>
       <p:pic>
         <p:nvPicPr>
-          <p:cNvPr id="2051" name="Picture 3"/>
+          <p:cNvPr id="2050" name="Picture 2"/>
           <p:cNvPicPr>
             <a:picLocks noChangeAspect="1" noChangeArrowheads="1"/>
           </p:cNvPicPr>
@@ -4801,8 +4540,8 @@
         </p:blipFill>
         <p:spPr bwMode="auto">
           <a:xfrm>
-            <a:off x="2031752" y="3963169"/>
-            <a:ext cx="5029200" cy="400050"/>
+            <a:off x="2051720" y="1844824"/>
+            <a:ext cx="5000625" cy="2076450"/>
           </a:xfrm>
           <a:prstGeom prst="rect">
             <a:avLst/>
@@ -4818,13 +4557,13 @@
       </p:pic>
       <p:sp>
         <p:nvSpPr>
-          <p:cNvPr id="12" name="Oval 11"/>
+          <p:cNvPr id="6" name="Oval 5"/>
           <p:cNvSpPr/>
           <p:nvPr/>
         </p:nvSpPr>
         <p:spPr>
           <a:xfrm>
-            <a:off x="370384" y="379512"/>
+            <a:off x="2247776" y="1802929"/>
             <a:ext cx="288032" cy="288032"/>
           </a:xfrm>
           <a:prstGeom prst="ellipse">
@@ -4854,7 +4593,7 @@
             <a:pPr algn="ctr"/>
             <a:r>
               <a:rPr lang="en-GB" dirty="0" smtClean="0"/>
-              <a:t>2</a:t>
+              <a:t>1</a:t>
             </a:r>
             <a:endParaRPr lang="en-GB" dirty="0"/>
           </a:p>
@@ -4862,13 +4601,13 @@
       </p:sp>
       <p:sp>
         <p:nvSpPr>
-          <p:cNvPr id="13" name="Oval 12"/>
+          <p:cNvPr id="7" name="Oval 6"/>
           <p:cNvSpPr/>
           <p:nvPr/>
         </p:nvSpPr>
         <p:spPr>
           <a:xfrm>
-            <a:off x="522784" y="531912"/>
+            <a:off x="217984" y="227112"/>
             <a:ext cx="288032" cy="288032"/>
           </a:xfrm>
           <a:prstGeom prst="ellipse">
@@ -4906,13 +4645,13 @@
       </p:sp>
       <p:sp>
         <p:nvSpPr>
-          <p:cNvPr id="14" name="Oval 13"/>
+          <p:cNvPr id="8" name="Oval 7"/>
           <p:cNvSpPr/>
           <p:nvPr/>
         </p:nvSpPr>
         <p:spPr>
           <a:xfrm>
-            <a:off x="675184" y="684312"/>
+            <a:off x="4768056" y="2090961"/>
             <a:ext cx="288032" cy="288032"/>
           </a:xfrm>
           <a:prstGeom prst="ellipse">
@@ -4941,22 +4680,21 @@
           <a:p>
             <a:pPr algn="ctr"/>
             <a:r>
-              <a:rPr lang="en-GB" dirty="0" smtClean="0"/>
+              <a:rPr lang="en-GB" dirty="0"/>
               <a:t>2</a:t>
             </a:r>
-            <a:endParaRPr lang="en-GB" dirty="0"/>
-          </a:p>
-        </p:txBody>
-      </p:sp>
-      <p:sp>
-        <p:nvSpPr>
-          <p:cNvPr id="15" name="Oval 14"/>
+          </a:p>
+        </p:txBody>
+      </p:sp>
+      <p:sp>
+        <p:nvSpPr>
+          <p:cNvPr id="9" name="Oval 8"/>
           <p:cNvSpPr/>
           <p:nvPr/>
         </p:nvSpPr>
         <p:spPr>
           <a:xfrm>
-            <a:off x="827584" y="836712"/>
+            <a:off x="4912072" y="2710005"/>
             <a:ext cx="288032" cy="288032"/>
           </a:xfrm>
           <a:prstGeom prst="ellipse">
@@ -4994,13 +4732,13 @@
       </p:sp>
       <p:sp>
         <p:nvSpPr>
-          <p:cNvPr id="16" name="Oval 15"/>
+          <p:cNvPr id="10" name="Oval 9"/>
           <p:cNvSpPr/>
           <p:nvPr/>
         </p:nvSpPr>
         <p:spPr>
           <a:xfrm>
-            <a:off x="6280224" y="3891161"/>
+            <a:off x="2103760" y="2523009"/>
             <a:ext cx="288032" cy="288032"/>
           </a:xfrm>
           <a:prstGeom prst="ellipse">
@@ -5030,7 +4768,7 @@
             <a:pPr algn="ctr"/>
             <a:r>
               <a:rPr lang="en-GB" dirty="0" smtClean="0"/>
-              <a:t>7</a:t>
+              <a:t>3</a:t>
             </a:r>
             <a:endParaRPr lang="en-GB" dirty="0"/>
           </a:p>
@@ -5038,13 +4776,13 @@
       </p:sp>
       <p:sp>
         <p:nvSpPr>
-          <p:cNvPr id="17" name="Oval 16"/>
+          <p:cNvPr id="11" name="Oval 10"/>
           <p:cNvSpPr/>
           <p:nvPr/>
         </p:nvSpPr>
         <p:spPr>
           <a:xfrm>
-            <a:off x="5416128" y="4035177"/>
+            <a:off x="3039864" y="2523009"/>
             <a:ext cx="288032" cy="288032"/>
           </a:xfrm>
           <a:prstGeom prst="ellipse">
@@ -5073,22 +4811,53 @@
           <a:p>
             <a:pPr algn="ctr"/>
             <a:r>
-              <a:rPr lang="en-GB" dirty="0" smtClean="0"/>
-              <a:t>6</a:t>
-            </a:r>
-            <a:endParaRPr lang="en-GB" dirty="0"/>
-          </a:p>
-        </p:txBody>
-      </p:sp>
-      <p:sp>
-        <p:nvSpPr>
-          <p:cNvPr id="18" name="Oval 17"/>
+              <a:rPr lang="en-GB" dirty="0"/>
+              <a:t>4</a:t>
+            </a:r>
+          </a:p>
+        </p:txBody>
+      </p:sp>
+      <p:pic>
+        <p:nvPicPr>
+          <p:cNvPr id="2051" name="Picture 3"/>
+          <p:cNvPicPr>
+            <a:picLocks noChangeAspect="1" noChangeArrowheads="1"/>
+          </p:cNvPicPr>
+          <p:nvPr/>
+        </p:nvPicPr>
+        <p:blipFill>
+          <a:blip r:embed="rId4" cstate="print"/>
+          <a:srcRect/>
+          <a:stretch>
+            <a:fillRect/>
+          </a:stretch>
+        </p:blipFill>
+        <p:spPr bwMode="auto">
+          <a:xfrm>
+            <a:off x="2031752" y="3963169"/>
+            <a:ext cx="5029200" cy="400050"/>
+          </a:xfrm>
+          <a:prstGeom prst="rect">
+            <a:avLst/>
+          </a:prstGeom>
+          <a:noFill/>
+          <a:ln w="9525">
+            <a:noFill/>
+            <a:miter lim="800000"/>
+            <a:headEnd/>
+            <a:tailEnd/>
+          </a:ln>
+        </p:spPr>
+      </p:pic>
+      <p:sp>
+        <p:nvSpPr>
+          <p:cNvPr id="12" name="Oval 11"/>
           <p:cNvSpPr/>
           <p:nvPr/>
         </p:nvSpPr>
         <p:spPr>
           <a:xfrm>
-            <a:off x="2535808" y="4107185"/>
+            <a:off x="370384" y="379512"/>
             <a:ext cx="288032" cy="288032"/>
           </a:xfrm>
           <a:prstGeom prst="ellipse">
@@ -5118,9 +4887,624 @@
             <a:pPr algn="ctr"/>
             <a:r>
               <a:rPr lang="en-GB" dirty="0" smtClean="0"/>
+              <a:t>2</a:t>
+            </a:r>
+            <a:endParaRPr lang="en-GB" dirty="0"/>
+          </a:p>
+        </p:txBody>
+      </p:sp>
+      <p:sp>
+        <p:nvSpPr>
+          <p:cNvPr id="13" name="Oval 12"/>
+          <p:cNvSpPr/>
+          <p:nvPr/>
+        </p:nvSpPr>
+        <p:spPr>
+          <a:xfrm>
+            <a:off x="522784" y="531912"/>
+            <a:ext cx="288032" cy="288032"/>
+          </a:xfrm>
+          <a:prstGeom prst="ellipse">
+            <a:avLst/>
+          </a:prstGeom>
+        </p:spPr>
+        <p:style>
+          <a:lnRef idx="2">
+            <a:schemeClr val="accent1">
+              <a:shade val="50000"/>
+            </a:schemeClr>
+          </a:lnRef>
+          <a:fillRef idx="1">
+            <a:schemeClr val="accent1"/>
+          </a:fillRef>
+          <a:effectRef idx="0">
+            <a:schemeClr val="accent1"/>
+          </a:effectRef>
+          <a:fontRef idx="minor">
+            <a:schemeClr val="lt1"/>
+          </a:fontRef>
+        </p:style>
+        <p:txBody>
+          <a:bodyPr rtlCol="0" anchor="ctr"/>
+          <a:lstStyle/>
+          <a:p>
+            <a:pPr algn="ctr"/>
+            <a:r>
+              <a:rPr lang="en-GB" dirty="0" smtClean="0"/>
+              <a:t>2</a:t>
+            </a:r>
+            <a:endParaRPr lang="en-GB" dirty="0"/>
+          </a:p>
+        </p:txBody>
+      </p:sp>
+      <p:sp>
+        <p:nvSpPr>
+          <p:cNvPr id="14" name="Oval 13"/>
+          <p:cNvSpPr/>
+          <p:nvPr/>
+        </p:nvSpPr>
+        <p:spPr>
+          <a:xfrm>
+            <a:off x="675184" y="684312"/>
+            <a:ext cx="288032" cy="288032"/>
+          </a:xfrm>
+          <a:prstGeom prst="ellipse">
+            <a:avLst/>
+          </a:prstGeom>
+        </p:spPr>
+        <p:style>
+          <a:lnRef idx="2">
+            <a:schemeClr val="accent1">
+              <a:shade val="50000"/>
+            </a:schemeClr>
+          </a:lnRef>
+          <a:fillRef idx="1">
+            <a:schemeClr val="accent1"/>
+          </a:fillRef>
+          <a:effectRef idx="0">
+            <a:schemeClr val="accent1"/>
+          </a:effectRef>
+          <a:fontRef idx="minor">
+            <a:schemeClr val="lt1"/>
+          </a:fontRef>
+        </p:style>
+        <p:txBody>
+          <a:bodyPr rtlCol="0" anchor="ctr"/>
+          <a:lstStyle/>
+          <a:p>
+            <a:pPr algn="ctr"/>
+            <a:r>
+              <a:rPr lang="en-GB" dirty="0" smtClean="0"/>
+              <a:t>2</a:t>
+            </a:r>
+            <a:endParaRPr lang="en-GB" dirty="0"/>
+          </a:p>
+        </p:txBody>
+      </p:sp>
+      <p:sp>
+        <p:nvSpPr>
+          <p:cNvPr id="15" name="Oval 14"/>
+          <p:cNvSpPr/>
+          <p:nvPr/>
+        </p:nvSpPr>
+        <p:spPr>
+          <a:xfrm>
+            <a:off x="4211960" y="2780928"/>
+            <a:ext cx="288032" cy="288032"/>
+          </a:xfrm>
+          <a:prstGeom prst="ellipse">
+            <a:avLst/>
+          </a:prstGeom>
+        </p:spPr>
+        <p:style>
+          <a:lnRef idx="2">
+            <a:schemeClr val="accent1">
+              <a:shade val="50000"/>
+            </a:schemeClr>
+          </a:lnRef>
+          <a:fillRef idx="1">
+            <a:schemeClr val="accent1"/>
+          </a:fillRef>
+          <a:effectRef idx="0">
+            <a:schemeClr val="accent1"/>
+          </a:effectRef>
+          <a:fontRef idx="minor">
+            <a:schemeClr val="lt1"/>
+          </a:fontRef>
+        </p:style>
+        <p:txBody>
+          <a:bodyPr rtlCol="0" anchor="ctr"/>
+          <a:lstStyle/>
+          <a:p>
+            <a:pPr algn="ctr"/>
+            <a:r>
+              <a:rPr lang="en-GB" dirty="0" smtClean="0"/>
+              <a:t>9</a:t>
+            </a:r>
+            <a:endParaRPr lang="en-GB" dirty="0"/>
+          </a:p>
+        </p:txBody>
+      </p:sp>
+      <p:sp>
+        <p:nvSpPr>
+          <p:cNvPr id="16" name="Oval 15"/>
+          <p:cNvSpPr/>
+          <p:nvPr/>
+        </p:nvSpPr>
+        <p:spPr>
+          <a:xfrm>
+            <a:off x="6280224" y="3891161"/>
+            <a:ext cx="288032" cy="288032"/>
+          </a:xfrm>
+          <a:prstGeom prst="ellipse">
+            <a:avLst/>
+          </a:prstGeom>
+        </p:spPr>
+        <p:style>
+          <a:lnRef idx="2">
+            <a:schemeClr val="accent1">
+              <a:shade val="50000"/>
+            </a:schemeClr>
+          </a:lnRef>
+          <a:fillRef idx="1">
+            <a:schemeClr val="accent1"/>
+          </a:fillRef>
+          <a:effectRef idx="0">
+            <a:schemeClr val="accent1"/>
+          </a:effectRef>
+          <a:fontRef idx="minor">
+            <a:schemeClr val="lt1"/>
+          </a:fontRef>
+        </p:style>
+        <p:txBody>
+          <a:bodyPr rtlCol="0" anchor="ctr"/>
+          <a:lstStyle/>
+          <a:p>
+            <a:pPr algn="ctr"/>
+            <a:r>
+              <a:rPr lang="en-GB" dirty="0" smtClean="0"/>
+              <a:t>7</a:t>
+            </a:r>
+            <a:endParaRPr lang="en-GB" dirty="0"/>
+          </a:p>
+        </p:txBody>
+      </p:sp>
+      <p:sp>
+        <p:nvSpPr>
+          <p:cNvPr id="17" name="Oval 16"/>
+          <p:cNvSpPr/>
+          <p:nvPr/>
+        </p:nvSpPr>
+        <p:spPr>
+          <a:xfrm>
+            <a:off x="5416128" y="4035177"/>
+            <a:ext cx="288032" cy="288032"/>
+          </a:xfrm>
+          <a:prstGeom prst="ellipse">
+            <a:avLst/>
+          </a:prstGeom>
+        </p:spPr>
+        <p:style>
+          <a:lnRef idx="2">
+            <a:schemeClr val="accent1">
+              <a:shade val="50000"/>
+            </a:schemeClr>
+          </a:lnRef>
+          <a:fillRef idx="1">
+            <a:schemeClr val="accent1"/>
+          </a:fillRef>
+          <a:effectRef idx="0">
+            <a:schemeClr val="accent1"/>
+          </a:effectRef>
+          <a:fontRef idx="minor">
+            <a:schemeClr val="lt1"/>
+          </a:fontRef>
+        </p:style>
+        <p:txBody>
+          <a:bodyPr rtlCol="0" anchor="ctr"/>
+          <a:lstStyle/>
+          <a:p>
+            <a:pPr algn="ctr"/>
+            <a:r>
+              <a:rPr lang="en-GB" dirty="0" smtClean="0"/>
+              <a:t>6</a:t>
+            </a:r>
+            <a:endParaRPr lang="en-GB" dirty="0"/>
+          </a:p>
+        </p:txBody>
+      </p:sp>
+      <p:sp>
+        <p:nvSpPr>
+          <p:cNvPr id="18" name="Oval 17"/>
+          <p:cNvSpPr/>
+          <p:nvPr/>
+        </p:nvSpPr>
+        <p:spPr>
+          <a:xfrm>
+            <a:off x="2535808" y="4107185"/>
+            <a:ext cx="288032" cy="288032"/>
+          </a:xfrm>
+          <a:prstGeom prst="ellipse">
+            <a:avLst/>
+          </a:prstGeom>
+        </p:spPr>
+        <p:style>
+          <a:lnRef idx="2">
+            <a:schemeClr val="accent1">
+              <a:shade val="50000"/>
+            </a:schemeClr>
+          </a:lnRef>
+          <a:fillRef idx="1">
+            <a:schemeClr val="accent1"/>
+          </a:fillRef>
+          <a:effectRef idx="0">
+            <a:schemeClr val="accent1"/>
+          </a:effectRef>
+          <a:fontRef idx="minor">
+            <a:schemeClr val="lt1"/>
+          </a:fontRef>
+        </p:style>
+        <p:txBody>
+          <a:bodyPr rtlCol="0" anchor="ctr"/>
+          <a:lstStyle/>
+          <a:p>
+            <a:pPr algn="ctr"/>
+            <a:r>
+              <a:rPr lang="en-GB" dirty="0" smtClean="0"/>
               <a:t>5</a:t>
             </a:r>
             <a:endParaRPr lang="en-GB" dirty="0"/>
+          </a:p>
+        </p:txBody>
+      </p:sp>
+      <p:sp>
+        <p:nvSpPr>
+          <p:cNvPr id="19" name="Oval 18"/>
+          <p:cNvSpPr/>
+          <p:nvPr/>
+        </p:nvSpPr>
+        <p:spPr>
+          <a:xfrm>
+            <a:off x="2627784" y="2891036"/>
+            <a:ext cx="288032" cy="288032"/>
+          </a:xfrm>
+          <a:prstGeom prst="ellipse">
+            <a:avLst/>
+          </a:prstGeom>
+        </p:spPr>
+        <p:style>
+          <a:lnRef idx="2">
+            <a:schemeClr val="accent1">
+              <a:shade val="50000"/>
+            </a:schemeClr>
+          </a:lnRef>
+          <a:fillRef idx="1">
+            <a:schemeClr val="accent1"/>
+          </a:fillRef>
+          <a:effectRef idx="0">
+            <a:schemeClr val="accent1"/>
+          </a:effectRef>
+          <a:fontRef idx="minor">
+            <a:schemeClr val="lt1"/>
+          </a:fontRef>
+        </p:style>
+        <p:txBody>
+          <a:bodyPr rtlCol="0" anchor="ctr"/>
+          <a:lstStyle/>
+          <a:p>
+            <a:pPr algn="ctr"/>
+            <a:r>
+              <a:rPr lang="en-GB" dirty="0" smtClean="0"/>
+              <a:t>8</a:t>
+            </a:r>
+            <a:endParaRPr lang="en-GB" dirty="0"/>
+          </a:p>
+        </p:txBody>
+      </p:sp>
+      <p:sp>
+        <p:nvSpPr>
+          <p:cNvPr id="21" name="Oval 20"/>
+          <p:cNvSpPr/>
+          <p:nvPr/>
+        </p:nvSpPr>
+        <p:spPr>
+          <a:xfrm>
+            <a:off x="3851920" y="1268760"/>
+            <a:ext cx="504056" cy="360040"/>
+          </a:xfrm>
+          <a:prstGeom prst="ellipse">
+            <a:avLst/>
+          </a:prstGeom>
+        </p:spPr>
+        <p:style>
+          <a:lnRef idx="2">
+            <a:schemeClr val="accent1">
+              <a:shade val="50000"/>
+            </a:schemeClr>
+          </a:lnRef>
+          <a:fillRef idx="1">
+            <a:schemeClr val="accent1"/>
+          </a:fillRef>
+          <a:effectRef idx="0">
+            <a:schemeClr val="accent1"/>
+          </a:effectRef>
+          <a:fontRef idx="minor">
+            <a:schemeClr val="lt1"/>
+          </a:fontRef>
+        </p:style>
+        <p:txBody>
+          <a:bodyPr rtlCol="0" anchor="ctr"/>
+          <a:lstStyle/>
+          <a:p>
+            <a:pPr algn="ctr"/>
+            <a:r>
+              <a:rPr lang="en-GB" sz="1200" dirty="0" smtClean="0"/>
+              <a:t>10</a:t>
+            </a:r>
+            <a:endParaRPr lang="en-GB" sz="1200" dirty="0"/>
+          </a:p>
+        </p:txBody>
+      </p:sp>
+      <p:sp>
+        <p:nvSpPr>
+          <p:cNvPr id="22" name="Oval 21"/>
+          <p:cNvSpPr/>
+          <p:nvPr/>
+        </p:nvSpPr>
+        <p:spPr>
+          <a:xfrm>
+            <a:off x="4237112" y="5542384"/>
+            <a:ext cx="288032" cy="288032"/>
+          </a:xfrm>
+          <a:prstGeom prst="ellipse">
+            <a:avLst/>
+          </a:prstGeom>
+        </p:spPr>
+        <p:style>
+          <a:lnRef idx="2">
+            <a:schemeClr val="accent1">
+              <a:shade val="50000"/>
+            </a:schemeClr>
+          </a:lnRef>
+          <a:fillRef idx="1">
+            <a:schemeClr val="accent1"/>
+          </a:fillRef>
+          <a:effectRef idx="0">
+            <a:schemeClr val="accent1"/>
+          </a:effectRef>
+          <a:fontRef idx="minor">
+            <a:schemeClr val="lt1"/>
+          </a:fontRef>
+        </p:style>
+        <p:txBody>
+          <a:bodyPr rtlCol="0" anchor="ctr"/>
+          <a:lstStyle/>
+          <a:p>
+            <a:pPr algn="ctr"/>
+            <a:r>
+              <a:rPr lang="en-GB" dirty="0" smtClean="0"/>
+              <a:t>7</a:t>
+            </a:r>
+            <a:endParaRPr lang="en-GB" dirty="0"/>
+          </a:p>
+        </p:txBody>
+      </p:sp>
+      <p:sp>
+        <p:nvSpPr>
+          <p:cNvPr id="23" name="Oval 22"/>
+          <p:cNvSpPr/>
+          <p:nvPr/>
+        </p:nvSpPr>
+        <p:spPr>
+          <a:xfrm>
+            <a:off x="4389512" y="5694784"/>
+            <a:ext cx="288032" cy="288032"/>
+          </a:xfrm>
+          <a:prstGeom prst="ellipse">
+            <a:avLst/>
+          </a:prstGeom>
+        </p:spPr>
+        <p:style>
+          <a:lnRef idx="2">
+            <a:schemeClr val="accent1">
+              <a:shade val="50000"/>
+            </a:schemeClr>
+          </a:lnRef>
+          <a:fillRef idx="1">
+            <a:schemeClr val="accent1"/>
+          </a:fillRef>
+          <a:effectRef idx="0">
+            <a:schemeClr val="accent1"/>
+          </a:effectRef>
+          <a:fontRef idx="minor">
+            <a:schemeClr val="lt1"/>
+          </a:fontRef>
+        </p:style>
+        <p:txBody>
+          <a:bodyPr rtlCol="0" anchor="ctr"/>
+          <a:lstStyle/>
+          <a:p>
+            <a:pPr algn="ctr"/>
+            <a:r>
+              <a:rPr lang="en-GB" dirty="0" smtClean="0"/>
+              <a:t>7</a:t>
+            </a:r>
+            <a:endParaRPr lang="en-GB" dirty="0"/>
+          </a:p>
+        </p:txBody>
+      </p:sp>
+      <p:sp>
+        <p:nvSpPr>
+          <p:cNvPr id="24" name="Oval 23"/>
+          <p:cNvSpPr/>
+          <p:nvPr/>
+        </p:nvSpPr>
+        <p:spPr>
+          <a:xfrm>
+            <a:off x="5364088" y="2708920"/>
+            <a:ext cx="288032" cy="288032"/>
+          </a:xfrm>
+          <a:prstGeom prst="ellipse">
+            <a:avLst/>
+          </a:prstGeom>
+        </p:spPr>
+        <p:style>
+          <a:lnRef idx="2">
+            <a:schemeClr val="accent1">
+              <a:shade val="50000"/>
+            </a:schemeClr>
+          </a:lnRef>
+          <a:fillRef idx="1">
+            <a:schemeClr val="accent1"/>
+          </a:fillRef>
+          <a:effectRef idx="0">
+            <a:schemeClr val="accent1"/>
+          </a:effectRef>
+          <a:fontRef idx="minor">
+            <a:schemeClr val="lt1"/>
+          </a:fontRef>
+        </p:style>
+        <p:txBody>
+          <a:bodyPr rtlCol="0" anchor="ctr"/>
+          <a:lstStyle/>
+          <a:p>
+            <a:pPr algn="ctr"/>
+            <a:r>
+              <a:rPr lang="en-GB" dirty="0" smtClean="0"/>
+              <a:t>2</a:t>
+            </a:r>
+            <a:endParaRPr lang="en-GB" dirty="0"/>
+          </a:p>
+        </p:txBody>
+      </p:sp>
+      <p:sp>
+        <p:nvSpPr>
+          <p:cNvPr id="25" name="Oval 24"/>
+          <p:cNvSpPr/>
+          <p:nvPr/>
+        </p:nvSpPr>
+        <p:spPr>
+          <a:xfrm>
+            <a:off x="5292080" y="2060848"/>
+            <a:ext cx="288032" cy="288032"/>
+          </a:xfrm>
+          <a:prstGeom prst="ellipse">
+            <a:avLst/>
+          </a:prstGeom>
+        </p:spPr>
+        <p:style>
+          <a:lnRef idx="2">
+            <a:schemeClr val="accent1">
+              <a:shade val="50000"/>
+            </a:schemeClr>
+          </a:lnRef>
+          <a:fillRef idx="1">
+            <a:schemeClr val="accent1"/>
+          </a:fillRef>
+          <a:effectRef idx="0">
+            <a:schemeClr val="accent1"/>
+          </a:effectRef>
+          <a:fontRef idx="minor">
+            <a:schemeClr val="lt1"/>
+          </a:fontRef>
+        </p:style>
+        <p:txBody>
+          <a:bodyPr rtlCol="0" anchor="ctr"/>
+          <a:lstStyle/>
+          <a:p>
+            <a:pPr algn="ctr"/>
+            <a:r>
+              <a:rPr lang="en-GB" dirty="0"/>
+              <a:t>2</a:t>
+            </a:r>
+          </a:p>
+        </p:txBody>
+      </p:sp>
+      <p:sp>
+        <p:nvSpPr>
+          <p:cNvPr id="26" name="Oval 25"/>
+          <p:cNvSpPr/>
+          <p:nvPr/>
+        </p:nvSpPr>
+        <p:spPr>
+          <a:xfrm>
+            <a:off x="4932040" y="1412776"/>
+            <a:ext cx="504056" cy="360040"/>
+          </a:xfrm>
+          <a:prstGeom prst="ellipse">
+            <a:avLst/>
+          </a:prstGeom>
+        </p:spPr>
+        <p:style>
+          <a:lnRef idx="2">
+            <a:schemeClr val="accent1">
+              <a:shade val="50000"/>
+            </a:schemeClr>
+          </a:lnRef>
+          <a:fillRef idx="1">
+            <a:schemeClr val="accent1"/>
+          </a:fillRef>
+          <a:effectRef idx="0">
+            <a:schemeClr val="accent1"/>
+          </a:effectRef>
+          <a:fontRef idx="minor">
+            <a:schemeClr val="lt1"/>
+          </a:fontRef>
+        </p:style>
+        <p:txBody>
+          <a:bodyPr rtlCol="0" anchor="ctr"/>
+          <a:lstStyle/>
+          <a:p>
+            <a:pPr algn="ctr"/>
+            <a:r>
+              <a:rPr lang="en-GB" sz="1200" dirty="0" smtClean="0"/>
+              <a:t>11</a:t>
+            </a:r>
+            <a:endParaRPr lang="en-GB" sz="1200" dirty="0"/>
+          </a:p>
+        </p:txBody>
+      </p:sp>
+      <p:sp>
+        <p:nvSpPr>
+          <p:cNvPr id="27" name="Oval 26"/>
+          <p:cNvSpPr/>
+          <p:nvPr/>
+        </p:nvSpPr>
+        <p:spPr>
+          <a:xfrm>
+            <a:off x="6084168" y="1052736"/>
+            <a:ext cx="504056" cy="360040"/>
+          </a:xfrm>
+          <a:prstGeom prst="ellipse">
+            <a:avLst/>
+          </a:prstGeom>
+        </p:spPr>
+        <p:style>
+          <a:lnRef idx="2">
+            <a:schemeClr val="accent1">
+              <a:shade val="50000"/>
+            </a:schemeClr>
+          </a:lnRef>
+          <a:fillRef idx="1">
+            <a:schemeClr val="accent1"/>
+          </a:fillRef>
+          <a:effectRef idx="0">
+            <a:schemeClr val="accent1"/>
+          </a:effectRef>
+          <a:fontRef idx="minor">
+            <a:schemeClr val="lt1"/>
+          </a:fontRef>
+        </p:style>
+        <p:txBody>
+          <a:bodyPr rtlCol="0" anchor="ctr"/>
+          <a:lstStyle/>
+          <a:p>
+            <a:pPr algn="ctr"/>
+            <a:r>
+              <a:rPr lang="en-GB" sz="1200" dirty="0" smtClean="0"/>
+              <a:t>12</a:t>
+            </a:r>
+            <a:endParaRPr lang="en-GB" sz="1200" dirty="0"/>
           </a:p>
         </p:txBody>
       </p:sp>
@@ -5151,7 +5535,7 @@
       </p:grpSpPr>
       <p:pic>
         <p:nvPicPr>
-          <p:cNvPr id="1026" name="Picture 2"/>
+          <p:cNvPr id="1027" name="Picture 3"/>
           <p:cNvPicPr>
             <a:picLocks noChangeAspect="1" noChangeArrowheads="1"/>
           </p:cNvPicPr>
@@ -5166,8 +5550,8 @@
         </p:blipFill>
         <p:spPr bwMode="auto">
           <a:xfrm>
-            <a:off x="2038350" y="1476375"/>
-            <a:ext cx="5067300" cy="3905250"/>
+            <a:off x="1835696" y="2132856"/>
+            <a:ext cx="5562600" cy="2676525"/>
           </a:xfrm>
           <a:prstGeom prst="rect">
             <a:avLst/>
@@ -5189,7 +5573,7 @@
         </p:nvSpPr>
         <p:spPr>
           <a:xfrm>
-            <a:off x="217984" y="227112"/>
+            <a:off x="5436096" y="3987924"/>
             <a:ext cx="288032" cy="288032"/>
           </a:xfrm>
           <a:prstGeom prst="ellipse">
@@ -5219,7 +5603,7 @@
             <a:pPr algn="ctr"/>
             <a:r>
               <a:rPr lang="en-GB" dirty="0" smtClean="0"/>
-              <a:t>2</a:t>
+              <a:t>1</a:t>
             </a:r>
             <a:endParaRPr lang="en-GB" dirty="0"/>
           </a:p>
@@ -5227,13 +5611,13 @@
       </p:sp>
       <p:sp>
         <p:nvSpPr>
-          <p:cNvPr id="12" name="Oval 11"/>
+          <p:cNvPr id="8" name="Oval 7"/>
           <p:cNvSpPr/>
           <p:nvPr/>
         </p:nvSpPr>
         <p:spPr>
           <a:xfrm>
-            <a:off x="5004048" y="2132856"/>
+            <a:off x="6372200" y="4275956"/>
             <a:ext cx="288032" cy="288032"/>
           </a:xfrm>
           <a:prstGeom prst="ellipse">
@@ -5263,7 +5647,7 @@
             <a:pPr algn="ctr"/>
             <a:r>
               <a:rPr lang="en-GB" dirty="0" smtClean="0"/>
-              <a:t>2</a:t>
+              <a:t>4</a:t>
             </a:r>
             <a:endParaRPr lang="en-GB" dirty="0"/>
           </a:p>
@@ -5271,13 +5655,13 @@
       </p:sp>
       <p:sp>
         <p:nvSpPr>
-          <p:cNvPr id="13" name="Oval 12"/>
+          <p:cNvPr id="9" name="Oval 8"/>
           <p:cNvSpPr/>
           <p:nvPr/>
         </p:nvSpPr>
         <p:spPr>
           <a:xfrm>
-            <a:off x="4860032" y="4509120"/>
+            <a:off x="5868144" y="4131940"/>
             <a:ext cx="288032" cy="288032"/>
           </a:xfrm>
           <a:prstGeom prst="ellipse">
@@ -5307,7 +5691,7 @@
             <a:pPr algn="ctr"/>
             <a:r>
               <a:rPr lang="en-GB" dirty="0" smtClean="0"/>
-              <a:t>1</a:t>
+              <a:t>3</a:t>
             </a:r>
             <a:endParaRPr lang="en-GB" dirty="0"/>
           </a:p>
@@ -5315,13 +5699,13 @@
       </p:sp>
       <p:sp>
         <p:nvSpPr>
-          <p:cNvPr id="14" name="Oval 13"/>
+          <p:cNvPr id="10" name="Oval 9"/>
           <p:cNvSpPr/>
           <p:nvPr/>
         </p:nvSpPr>
         <p:spPr>
           <a:xfrm>
-            <a:off x="5436096" y="2852936"/>
+            <a:off x="3491880" y="3356992"/>
             <a:ext cx="288032" cy="288032"/>
           </a:xfrm>
           <a:prstGeom prst="ellipse">
@@ -5351,7 +5735,7 @@
             <a:pPr algn="ctr"/>
             <a:r>
               <a:rPr lang="en-GB" dirty="0" smtClean="0"/>
-              <a:t>1</a:t>
+              <a:t>6</a:t>
             </a:r>
             <a:endParaRPr lang="en-GB" dirty="0"/>
           </a:p>
@@ -5359,13 +5743,13 @@
       </p:sp>
       <p:sp>
         <p:nvSpPr>
-          <p:cNvPr id="19" name="Oval 18"/>
+          <p:cNvPr id="11" name="Oval 10"/>
           <p:cNvSpPr/>
           <p:nvPr/>
         </p:nvSpPr>
         <p:spPr>
           <a:xfrm>
-            <a:off x="6372200" y="3140968"/>
+            <a:off x="2195736" y="2924944"/>
             <a:ext cx="288032" cy="288032"/>
           </a:xfrm>
           <a:prstGeom prst="ellipse">
@@ -5395,7 +5779,7 @@
             <a:pPr algn="ctr"/>
             <a:r>
               <a:rPr lang="en-GB" dirty="0" smtClean="0"/>
-              <a:t>4</a:t>
+              <a:t>5</a:t>
             </a:r>
             <a:endParaRPr lang="en-GB" dirty="0"/>
           </a:p>
@@ -5403,13 +5787,13 @@
       </p:sp>
       <p:sp>
         <p:nvSpPr>
-          <p:cNvPr id="20" name="Oval 19"/>
+          <p:cNvPr id="12" name="Oval 11"/>
           <p:cNvSpPr/>
           <p:nvPr/>
         </p:nvSpPr>
         <p:spPr>
           <a:xfrm>
-            <a:off x="5436096" y="4653136"/>
+            <a:off x="2339752" y="4005064"/>
             <a:ext cx="288032" cy="288032"/>
           </a:xfrm>
           <a:prstGeom prst="ellipse">
@@ -5439,7 +5823,7 @@
             <a:pPr algn="ctr"/>
             <a:r>
               <a:rPr lang="en-GB" dirty="0" smtClean="0"/>
-              <a:t>3</a:t>
+              <a:t>7</a:t>
             </a:r>
             <a:endParaRPr lang="en-GB" dirty="0"/>
           </a:p>
@@ -5447,13 +5831,13 @@
       </p:sp>
       <p:sp>
         <p:nvSpPr>
-          <p:cNvPr id="21" name="Oval 20"/>
+          <p:cNvPr id="13" name="Oval 12"/>
           <p:cNvSpPr/>
           <p:nvPr/>
         </p:nvSpPr>
         <p:spPr>
           <a:xfrm>
-            <a:off x="5868144" y="2996952"/>
+            <a:off x="6876256" y="2924944"/>
             <a:ext cx="288032" cy="288032"/>
           </a:xfrm>
           <a:prstGeom prst="ellipse">
@@ -5483,21 +5867,53 @@
             <a:pPr algn="ctr"/>
             <a:r>
               <a:rPr lang="en-GB" dirty="0" smtClean="0"/>
-              <a:t>3</a:t>
+              <a:t>8</a:t>
             </a:r>
             <a:endParaRPr lang="en-GB" dirty="0"/>
           </a:p>
         </p:txBody>
       </p:sp>
-      <p:sp>
-        <p:nvSpPr>
-          <p:cNvPr id="22" name="Oval 21"/>
+      <p:pic>
+        <p:nvPicPr>
+          <p:cNvPr id="1028" name="Picture 4"/>
+          <p:cNvPicPr>
+            <a:picLocks noChangeAspect="1" noChangeArrowheads="1"/>
+          </p:cNvPicPr>
+          <p:nvPr/>
+        </p:nvPicPr>
+        <p:blipFill>
+          <a:blip r:embed="rId3" cstate="print"/>
+          <a:srcRect/>
+          <a:stretch>
+            <a:fillRect/>
+          </a:stretch>
+        </p:blipFill>
+        <p:spPr bwMode="auto">
+          <a:xfrm>
+            <a:off x="3635896" y="2852936"/>
+            <a:ext cx="3168352" cy="247650"/>
+          </a:xfrm>
+          <a:prstGeom prst="rect">
+            <a:avLst/>
+          </a:prstGeom>
+          <a:noFill/>
+          <a:ln w="9525">
+            <a:noFill/>
+            <a:miter lim="800000"/>
+            <a:headEnd/>
+            <a:tailEnd/>
+          </a:ln>
+        </p:spPr>
+      </p:pic>
+      <p:sp>
+        <p:nvSpPr>
+          <p:cNvPr id="6" name="Oval 5"/>
           <p:cNvSpPr/>
           <p:nvPr/>
         </p:nvSpPr>
         <p:spPr>
           <a:xfrm>
-            <a:off x="3491880" y="2564904"/>
+            <a:off x="5004048" y="2852936"/>
             <a:ext cx="288032" cy="288032"/>
           </a:xfrm>
           <a:prstGeom prst="ellipse">
@@ -5527,7 +5943,7 @@
             <a:pPr algn="ctr"/>
             <a:r>
               <a:rPr lang="en-GB" dirty="0" smtClean="0"/>
-              <a:t>6</a:t>
+              <a:t>2</a:t>
             </a:r>
             <a:endParaRPr lang="en-GB" dirty="0"/>
           </a:p>
@@ -5535,13 +5951,13 @@
       </p:sp>
       <p:sp>
         <p:nvSpPr>
-          <p:cNvPr id="23" name="Oval 22"/>
+          <p:cNvPr id="15" name="Oval 14"/>
           <p:cNvSpPr/>
           <p:nvPr/>
         </p:nvSpPr>
         <p:spPr>
           <a:xfrm>
-            <a:off x="2195736" y="2132856"/>
+            <a:off x="2627784" y="4509120"/>
             <a:ext cx="288032" cy="288032"/>
           </a:xfrm>
           <a:prstGeom prst="ellipse">
@@ -5571,22 +5987,148 @@
             <a:pPr algn="ctr"/>
             <a:r>
               <a:rPr lang="en-GB" dirty="0" smtClean="0"/>
-              <a:t>5</a:t>
+              <a:t>9</a:t>
             </a:r>
             <a:endParaRPr lang="en-GB" dirty="0"/>
           </a:p>
         </p:txBody>
       </p:sp>
-      <p:sp>
-        <p:nvSpPr>
-          <p:cNvPr id="24" name="Oval 23"/>
+      <p:grpSp>
+        <p:nvGrpSpPr>
+          <p:cNvPr id="21" name="Group 20"/>
+          <p:cNvGrpSpPr/>
+          <p:nvPr/>
+        </p:nvGrpSpPr>
+        <p:grpSpPr>
+          <a:xfrm>
+            <a:off x="1835696" y="1628800"/>
+            <a:ext cx="5616624" cy="504056"/>
+            <a:chOff x="1835696" y="1196752"/>
+            <a:chExt cx="5616624" cy="504056"/>
+          </a:xfrm>
+        </p:grpSpPr>
+        <p:grpSp>
+          <p:nvGrpSpPr>
+            <p:cNvPr id="20" name="Group 19"/>
+            <p:cNvGrpSpPr/>
+            <p:nvPr/>
+          </p:nvGrpSpPr>
+          <p:grpSpPr>
+            <a:xfrm>
+              <a:off x="1835696" y="1196752"/>
+              <a:ext cx="5616624" cy="504056"/>
+              <a:chOff x="1979712" y="1052736"/>
+              <a:chExt cx="5040560" cy="486675"/>
+            </a:xfrm>
+          </p:grpSpPr>
+          <p:pic>
+            <p:nvPicPr>
+              <p:cNvPr id="14" name="Picture 3"/>
+              <p:cNvPicPr>
+                <a:picLocks noChangeAspect="1" noChangeArrowheads="1"/>
+              </p:cNvPicPr>
+              <p:nvPr/>
+            </p:nvPicPr>
+            <p:blipFill>
+              <a:blip r:embed="rId4" cstate="print"/>
+              <a:srcRect/>
+              <a:stretch>
+                <a:fillRect/>
+              </a:stretch>
+            </p:blipFill>
+            <p:spPr bwMode="auto">
+              <a:xfrm>
+                <a:off x="1979712" y="1052736"/>
+                <a:ext cx="5040560" cy="486675"/>
+              </a:xfrm>
+              <a:prstGeom prst="rect">
+                <a:avLst/>
+              </a:prstGeom>
+              <a:noFill/>
+              <a:ln w="9525">
+                <a:noFill/>
+                <a:miter lim="800000"/>
+                <a:headEnd/>
+                <a:tailEnd/>
+              </a:ln>
+            </p:spPr>
+          </p:pic>
+          <p:pic>
+            <p:nvPicPr>
+              <p:cNvPr id="2053" name="Picture 5"/>
+              <p:cNvPicPr>
+                <a:picLocks noChangeAspect="1" noChangeArrowheads="1"/>
+              </p:cNvPicPr>
+              <p:nvPr/>
+            </p:nvPicPr>
+            <p:blipFill>
+              <a:blip r:embed="rId5" cstate="print"/>
+              <a:srcRect/>
+              <a:stretch>
+                <a:fillRect/>
+              </a:stretch>
+            </p:blipFill>
+            <p:spPr bwMode="auto">
+              <a:xfrm>
+                <a:off x="2051720" y="1124743"/>
+                <a:ext cx="4824536" cy="288033"/>
+              </a:xfrm>
+              <a:prstGeom prst="rect">
+                <a:avLst/>
+              </a:prstGeom>
+              <a:noFill/>
+              <a:ln w="9525">
+                <a:noFill/>
+                <a:miter lim="800000"/>
+                <a:headEnd/>
+                <a:tailEnd/>
+              </a:ln>
+            </p:spPr>
+          </p:pic>
+        </p:grpSp>
+        <p:pic>
+          <p:nvPicPr>
+            <p:cNvPr id="2050" name="Picture 2"/>
+            <p:cNvPicPr>
+              <a:picLocks noChangeAspect="1" noChangeArrowheads="1"/>
+            </p:cNvPicPr>
+            <p:nvPr/>
+          </p:nvPicPr>
+          <p:blipFill>
+            <a:blip r:embed="rId6" cstate="print"/>
+            <a:srcRect/>
+            <a:stretch>
+              <a:fillRect/>
+            </a:stretch>
+          </p:blipFill>
+          <p:spPr bwMode="auto">
+            <a:xfrm>
+              <a:off x="2005633" y="1353716"/>
+              <a:ext cx="3762375" cy="209550"/>
+            </a:xfrm>
+            <a:prstGeom prst="rect">
+              <a:avLst/>
+            </a:prstGeom>
+            <a:noFill/>
+            <a:ln w="9525">
+              <a:noFill/>
+              <a:miter lim="800000"/>
+              <a:headEnd/>
+              <a:tailEnd/>
+            </a:ln>
+          </p:spPr>
+        </p:pic>
+      </p:grpSp>
+      <p:sp>
+        <p:nvSpPr>
+          <p:cNvPr id="23" name="Oval 22"/>
           <p:cNvSpPr/>
           <p:nvPr/>
         </p:nvSpPr>
         <p:spPr>
           <a:xfrm>
-            <a:off x="6012160" y="4797152"/>
-            <a:ext cx="288032" cy="288032"/>
+            <a:off x="3635896" y="1628800"/>
+            <a:ext cx="2592288" cy="504056"/>
           </a:xfrm>
           <a:prstGeom prst="ellipse">
             <a:avLst/>
@@ -5614,23 +6156,23 @@
           <a:p>
             <a:pPr algn="ctr"/>
             <a:r>
-              <a:rPr lang="en-GB" dirty="0" smtClean="0"/>
-              <a:t>4</a:t>
-            </a:r>
-            <a:endParaRPr lang="en-GB" dirty="0"/>
-          </a:p>
-        </p:txBody>
-      </p:sp>
-      <p:sp>
-        <p:nvSpPr>
-          <p:cNvPr id="25" name="Oval 24"/>
+              <a:rPr lang="en-GB" sz="1200" dirty="0" smtClean="0"/>
+              <a:t>This  box is styled in Topics Index 10, 11 &amp; 12</a:t>
+            </a:r>
+            <a:endParaRPr lang="en-GB" sz="1200" dirty="0"/>
+          </a:p>
+        </p:txBody>
+      </p:sp>
+      <p:sp>
+        <p:nvSpPr>
+          <p:cNvPr id="19" name="Oval 18"/>
           <p:cNvSpPr/>
           <p:nvPr/>
         </p:nvSpPr>
         <p:spPr>
           <a:xfrm>
-            <a:off x="2339752" y="3212976"/>
-            <a:ext cx="288032" cy="288032"/>
+            <a:off x="2051720" y="2348880"/>
+            <a:ext cx="504056" cy="360040"/>
           </a:xfrm>
           <a:prstGeom prst="ellipse">
             <a:avLst/>
@@ -5658,23 +6200,23 @@
           <a:p>
             <a:pPr algn="ctr"/>
             <a:r>
-              <a:rPr lang="en-GB" dirty="0" smtClean="0"/>
-              <a:t>7</a:t>
-            </a:r>
-            <a:endParaRPr lang="en-GB" dirty="0"/>
-          </a:p>
-        </p:txBody>
-      </p:sp>
-      <p:sp>
-        <p:nvSpPr>
-          <p:cNvPr id="26" name="Oval 25"/>
+              <a:rPr lang="en-GB" sz="1200" dirty="0" smtClean="0"/>
+              <a:t>10</a:t>
+            </a:r>
+            <a:endParaRPr lang="en-GB" sz="1200" dirty="0"/>
+          </a:p>
+        </p:txBody>
+      </p:sp>
+      <p:sp>
+        <p:nvSpPr>
+          <p:cNvPr id="22" name="Oval 21"/>
           <p:cNvSpPr/>
           <p:nvPr/>
         </p:nvSpPr>
         <p:spPr>
           <a:xfrm>
-            <a:off x="6876256" y="2132856"/>
-            <a:ext cx="288032" cy="288032"/>
+            <a:off x="2987824" y="2348880"/>
+            <a:ext cx="504056" cy="360040"/>
           </a:xfrm>
           <a:prstGeom prst="ellipse">
             <a:avLst/>
@@ -5702,10 +6244,10 @@
           <a:p>
             <a:pPr algn="ctr"/>
             <a:r>
-              <a:rPr lang="en-GB" dirty="0" smtClean="0"/>
-              <a:t>8</a:t>
-            </a:r>
-            <a:endParaRPr lang="en-GB" dirty="0"/>
+              <a:rPr lang="en-GB" sz="1200" dirty="0" smtClean="0"/>
+              <a:t>10</a:t>
+            </a:r>
+            <a:endParaRPr lang="en-GB" sz="1200" dirty="0"/>
           </a:p>
         </p:txBody>
       </p:sp>
@@ -5736,64 +6278,144 @@
       </p:grpSpPr>
       <p:pic>
         <p:nvPicPr>
-          <p:cNvPr id="4" name="Picture 3" descr="login2.JPG"/>
+          <p:cNvPr id="1031" name="Picture 7"/>
           <p:cNvPicPr>
-            <a:picLocks noChangeAspect="1"/>
+            <a:picLocks noChangeAspect="1" noChangeArrowheads="1"/>
           </p:cNvPicPr>
           <p:nvPr/>
         </p:nvPicPr>
         <p:blipFill>
           <a:blip r:embed="rId2" cstate="print"/>
+          <a:srcRect/>
           <a:stretch>
             <a:fillRect/>
           </a:stretch>
         </p:blipFill>
-        <p:spPr>
-          <a:xfrm>
-            <a:off x="1547664" y="2348880"/>
-            <a:ext cx="4924425" cy="971550"/>
+        <p:spPr bwMode="auto">
+          <a:xfrm>
+            <a:off x="2266950" y="2247900"/>
+            <a:ext cx="4610100" cy="2362200"/>
           </a:xfrm>
           <a:prstGeom prst="rect">
             <a:avLst/>
           </a:prstGeom>
+          <a:noFill/>
+          <a:ln w="9525">
+            <a:noFill/>
+            <a:miter lim="800000"/>
+            <a:headEnd/>
+            <a:tailEnd/>
+          </a:ln>
         </p:spPr>
       </p:pic>
       <p:pic>
         <p:nvPicPr>
-          <p:cNvPr id="8" name="Picture 7" descr="login3a.JPG"/>
+          <p:cNvPr id="1029" name="Picture 5"/>
           <p:cNvPicPr>
-            <a:picLocks noChangeAspect="1"/>
+            <a:picLocks noChangeAspect="1" noChangeArrowheads="1"/>
           </p:cNvPicPr>
           <p:nvPr/>
         </p:nvPicPr>
         <p:blipFill>
           <a:blip r:embed="rId3" cstate="print"/>
+          <a:srcRect/>
           <a:stretch>
             <a:fillRect/>
           </a:stretch>
         </p:blipFill>
-        <p:spPr>
-          <a:xfrm>
-            <a:off x="1547664" y="3645024"/>
-            <a:ext cx="4886325" cy="838200"/>
+        <p:spPr bwMode="auto">
+          <a:xfrm>
+            <a:off x="2267744" y="1196752"/>
+            <a:ext cx="4667250" cy="1504950"/>
           </a:xfrm>
           <a:prstGeom prst="rect">
             <a:avLst/>
           </a:prstGeom>
+          <a:noFill/>
+          <a:ln w="9525">
+            <a:noFill/>
+            <a:miter lim="800000"/>
+            <a:headEnd/>
+            <a:tailEnd/>
+          </a:ln>
         </p:spPr>
       </p:pic>
-      <p:sp>
-        <p:nvSpPr>
-          <p:cNvPr id="9" name="Down Arrow 8"/>
+      <p:pic>
+        <p:nvPicPr>
+          <p:cNvPr id="1032" name="Picture 8"/>
+          <p:cNvPicPr>
+            <a:picLocks noChangeAspect="1" noChangeArrowheads="1"/>
+          </p:cNvPicPr>
+          <p:nvPr/>
+        </p:nvPicPr>
+        <p:blipFill>
+          <a:blip r:embed="rId2" cstate="print"/>
+          <a:srcRect/>
+          <a:stretch>
+            <a:fillRect/>
+          </a:stretch>
+        </p:blipFill>
+        <p:spPr bwMode="auto">
+          <a:xfrm>
+            <a:off x="2266950" y="2386980"/>
+            <a:ext cx="4610100" cy="2362200"/>
+          </a:xfrm>
+          <a:prstGeom prst="rect">
+            <a:avLst/>
+          </a:prstGeom>
+          <a:noFill/>
+          <a:ln w="9525">
+            <a:noFill/>
+            <a:miter lim="800000"/>
+            <a:headEnd/>
+            <a:tailEnd/>
+          </a:ln>
+        </p:spPr>
+      </p:pic>
+      <p:pic>
+        <p:nvPicPr>
+          <p:cNvPr id="1030" name="Picture 6"/>
+          <p:cNvPicPr>
+            <a:picLocks noChangeAspect="1" noChangeArrowheads="1"/>
+          </p:cNvPicPr>
+          <p:nvPr/>
+        </p:nvPicPr>
+        <p:blipFill>
+          <a:blip r:embed="rId2" cstate="print"/>
+          <a:srcRect/>
+          <a:stretch>
+            <a:fillRect/>
+          </a:stretch>
+        </p:blipFill>
+        <p:spPr bwMode="auto">
+          <a:xfrm>
+            <a:off x="2267744" y="2473846"/>
+            <a:ext cx="4610100" cy="2362200"/>
+          </a:xfrm>
+          <a:prstGeom prst="rect">
+            <a:avLst/>
+          </a:prstGeom>
+          <a:noFill/>
+          <a:ln w="9525">
+            <a:noFill/>
+            <a:miter lim="800000"/>
+            <a:headEnd/>
+            <a:tailEnd/>
+          </a:ln>
+        </p:spPr>
+      </p:pic>
+      <p:sp>
+        <p:nvSpPr>
+          <p:cNvPr id="15" name="Oval 14"/>
           <p:cNvSpPr/>
           <p:nvPr/>
         </p:nvSpPr>
         <p:spPr>
           <a:xfrm>
-            <a:off x="5364088" y="2348880"/>
-            <a:ext cx="144016" cy="504056"/>
-          </a:xfrm>
-          <a:prstGeom prst="downArrow">
+            <a:off x="3419872" y="2132856"/>
+            <a:ext cx="288032" cy="288032"/>
+          </a:xfrm>
+          <a:prstGeom prst="ellipse">
             <a:avLst/>
           </a:prstGeom>
         </p:spPr>
@@ -5818,22 +6440,26 @@
           <a:lstStyle/>
           <a:p>
             <a:pPr algn="ctr"/>
-            <a:endParaRPr lang="en-GB"/>
-          </a:p>
-        </p:txBody>
-      </p:sp>
-      <p:sp>
-        <p:nvSpPr>
-          <p:cNvPr id="10" name="Down Arrow 9"/>
+            <a:r>
+              <a:rPr lang="en-GB" dirty="0" smtClean="0"/>
+              <a:t>3</a:t>
+            </a:r>
+            <a:endParaRPr lang="en-GB" dirty="0"/>
+          </a:p>
+        </p:txBody>
+      </p:sp>
+      <p:sp>
+        <p:nvSpPr>
+          <p:cNvPr id="16" name="Oval 15"/>
           <p:cNvSpPr/>
           <p:nvPr/>
         </p:nvSpPr>
         <p:spPr>
           <a:xfrm>
-            <a:off x="5940152" y="2348880"/>
-            <a:ext cx="144016" cy="504056"/>
-          </a:xfrm>
-          <a:prstGeom prst="downArrow">
+            <a:off x="4644008" y="1340768"/>
+            <a:ext cx="288032" cy="288032"/>
+          </a:xfrm>
+          <a:prstGeom prst="ellipse">
             <a:avLst/>
           </a:prstGeom>
         </p:spPr>
@@ -5858,22 +6484,26 @@
           <a:lstStyle/>
           <a:p>
             <a:pPr algn="ctr"/>
-            <a:endParaRPr lang="en-GB"/>
-          </a:p>
-        </p:txBody>
-      </p:sp>
-      <p:sp>
-        <p:nvSpPr>
-          <p:cNvPr id="11" name="Down Arrow 10"/>
+            <a:r>
+              <a:rPr lang="en-GB" dirty="0" smtClean="0"/>
+              <a:t>2</a:t>
+            </a:r>
+            <a:endParaRPr lang="en-GB" dirty="0"/>
+          </a:p>
+        </p:txBody>
+      </p:sp>
+      <p:sp>
+        <p:nvSpPr>
+          <p:cNvPr id="18" name="Oval 17"/>
           <p:cNvSpPr/>
           <p:nvPr/>
         </p:nvSpPr>
         <p:spPr>
           <a:xfrm>
-            <a:off x="5292080" y="3645024"/>
-            <a:ext cx="144016" cy="504056"/>
-          </a:xfrm>
-          <a:prstGeom prst="downArrow">
+            <a:off x="2699792" y="3645024"/>
+            <a:ext cx="288032" cy="288032"/>
+          </a:xfrm>
+          <a:prstGeom prst="ellipse">
             <a:avLst/>
           </a:prstGeom>
         </p:spPr>
@@ -5898,22 +6528,26 @@
           <a:lstStyle/>
           <a:p>
             <a:pPr algn="ctr"/>
-            <a:endParaRPr lang="en-GB"/>
-          </a:p>
-        </p:txBody>
-      </p:sp>
-      <p:sp>
-        <p:nvSpPr>
-          <p:cNvPr id="12" name="Down Arrow 11"/>
+            <a:r>
+              <a:rPr lang="en-GB" dirty="0" smtClean="0"/>
+              <a:t>1</a:t>
+            </a:r>
+            <a:endParaRPr lang="en-GB" dirty="0"/>
+          </a:p>
+        </p:txBody>
+      </p:sp>
+      <p:sp>
+        <p:nvSpPr>
+          <p:cNvPr id="19" name="Oval 18"/>
           <p:cNvSpPr/>
           <p:nvPr/>
         </p:nvSpPr>
         <p:spPr>
           <a:xfrm>
-            <a:off x="5940152" y="3645024"/>
-            <a:ext cx="144016" cy="504056"/>
-          </a:xfrm>
-          <a:prstGeom prst="downArrow">
+            <a:off x="3275856" y="4077072"/>
+            <a:ext cx="288032" cy="288032"/>
+          </a:xfrm>
+          <a:prstGeom prst="ellipse">
             <a:avLst/>
           </a:prstGeom>
         </p:spPr>
@@ -5938,7 +6572,395 @@
           <a:lstStyle/>
           <a:p>
             <a:pPr algn="ctr"/>
-            <a:endParaRPr lang="en-GB"/>
+            <a:r>
+              <a:rPr lang="en-GB" dirty="0" smtClean="0"/>
+              <a:t>1</a:t>
+            </a:r>
+            <a:endParaRPr lang="en-GB" dirty="0"/>
+          </a:p>
+        </p:txBody>
+      </p:sp>
+      <p:sp>
+        <p:nvSpPr>
+          <p:cNvPr id="20" name="Oval 19"/>
+          <p:cNvSpPr/>
+          <p:nvPr/>
+        </p:nvSpPr>
+        <p:spPr>
+          <a:xfrm>
+            <a:off x="2555776" y="2636912"/>
+            <a:ext cx="288032" cy="288032"/>
+          </a:xfrm>
+          <a:prstGeom prst="ellipse">
+            <a:avLst/>
+          </a:prstGeom>
+        </p:spPr>
+        <p:style>
+          <a:lnRef idx="2">
+            <a:schemeClr val="accent1">
+              <a:shade val="50000"/>
+            </a:schemeClr>
+          </a:lnRef>
+          <a:fillRef idx="1">
+            <a:schemeClr val="accent1"/>
+          </a:fillRef>
+          <a:effectRef idx="0">
+            <a:schemeClr val="accent1"/>
+          </a:effectRef>
+          <a:fontRef idx="minor">
+            <a:schemeClr val="lt1"/>
+          </a:fontRef>
+        </p:style>
+        <p:txBody>
+          <a:bodyPr rtlCol="0" anchor="ctr"/>
+          <a:lstStyle/>
+          <a:p>
+            <a:pPr algn="ctr"/>
+            <a:r>
+              <a:rPr lang="en-GB" dirty="0" smtClean="0"/>
+              <a:t>1</a:t>
+            </a:r>
+            <a:endParaRPr lang="en-GB" dirty="0"/>
+          </a:p>
+        </p:txBody>
+      </p:sp>
+      <p:sp>
+        <p:nvSpPr>
+          <p:cNvPr id="25" name="Oval 24"/>
+          <p:cNvSpPr/>
+          <p:nvPr/>
+        </p:nvSpPr>
+        <p:spPr>
+          <a:xfrm>
+            <a:off x="5436096" y="2276872"/>
+            <a:ext cx="288032" cy="288032"/>
+          </a:xfrm>
+          <a:prstGeom prst="ellipse">
+            <a:avLst/>
+          </a:prstGeom>
+        </p:spPr>
+        <p:style>
+          <a:lnRef idx="2">
+            <a:schemeClr val="accent1">
+              <a:shade val="50000"/>
+            </a:schemeClr>
+          </a:lnRef>
+          <a:fillRef idx="1">
+            <a:schemeClr val="accent1"/>
+          </a:fillRef>
+          <a:effectRef idx="0">
+            <a:schemeClr val="accent1"/>
+          </a:effectRef>
+          <a:fontRef idx="minor">
+            <a:schemeClr val="lt1"/>
+          </a:fontRef>
+        </p:style>
+        <p:txBody>
+          <a:bodyPr rtlCol="0" anchor="ctr"/>
+          <a:lstStyle/>
+          <a:p>
+            <a:pPr algn="ctr"/>
+            <a:r>
+              <a:rPr lang="en-GB" dirty="0" smtClean="0"/>
+              <a:t>2</a:t>
+            </a:r>
+            <a:endParaRPr lang="en-GB" dirty="0"/>
+          </a:p>
+        </p:txBody>
+      </p:sp>
+      <p:sp>
+        <p:nvSpPr>
+          <p:cNvPr id="26" name="Oval 25"/>
+          <p:cNvSpPr/>
+          <p:nvPr/>
+        </p:nvSpPr>
+        <p:spPr>
+          <a:xfrm>
+            <a:off x="5940152" y="1772816"/>
+            <a:ext cx="288032" cy="288032"/>
+          </a:xfrm>
+          <a:prstGeom prst="ellipse">
+            <a:avLst/>
+          </a:prstGeom>
+        </p:spPr>
+        <p:style>
+          <a:lnRef idx="2">
+            <a:schemeClr val="accent1">
+              <a:shade val="50000"/>
+            </a:schemeClr>
+          </a:lnRef>
+          <a:fillRef idx="1">
+            <a:schemeClr val="accent1"/>
+          </a:fillRef>
+          <a:effectRef idx="0">
+            <a:schemeClr val="accent1"/>
+          </a:effectRef>
+          <a:fontRef idx="minor">
+            <a:schemeClr val="lt1"/>
+          </a:fontRef>
+        </p:style>
+        <p:txBody>
+          <a:bodyPr rtlCol="0" anchor="ctr"/>
+          <a:lstStyle/>
+          <a:p>
+            <a:pPr algn="ctr"/>
+            <a:r>
+              <a:rPr lang="en-GB" dirty="0" smtClean="0"/>
+              <a:t>2</a:t>
+            </a:r>
+            <a:endParaRPr lang="en-GB" dirty="0"/>
+          </a:p>
+        </p:txBody>
+      </p:sp>
+      <p:sp>
+        <p:nvSpPr>
+          <p:cNvPr id="24" name="Oval 23"/>
+          <p:cNvSpPr/>
+          <p:nvPr/>
+        </p:nvSpPr>
+        <p:spPr>
+          <a:xfrm>
+            <a:off x="4860032" y="2924944"/>
+            <a:ext cx="288032" cy="288032"/>
+          </a:xfrm>
+          <a:prstGeom prst="ellipse">
+            <a:avLst/>
+          </a:prstGeom>
+        </p:spPr>
+        <p:style>
+          <a:lnRef idx="2">
+            <a:schemeClr val="accent1">
+              <a:shade val="50000"/>
+            </a:schemeClr>
+          </a:lnRef>
+          <a:fillRef idx="1">
+            <a:schemeClr val="accent1"/>
+          </a:fillRef>
+          <a:effectRef idx="0">
+            <a:schemeClr val="accent1"/>
+          </a:effectRef>
+          <a:fontRef idx="minor">
+            <a:schemeClr val="lt1"/>
+          </a:fontRef>
+        </p:style>
+        <p:txBody>
+          <a:bodyPr rtlCol="0" anchor="ctr"/>
+          <a:lstStyle/>
+          <a:p>
+            <a:pPr algn="ctr"/>
+            <a:r>
+              <a:rPr lang="en-GB" dirty="0" smtClean="0"/>
+              <a:t>2</a:t>
+            </a:r>
+            <a:endParaRPr lang="en-GB" dirty="0"/>
+          </a:p>
+        </p:txBody>
+      </p:sp>
+      <p:sp>
+        <p:nvSpPr>
+          <p:cNvPr id="13" name="Oval 12"/>
+          <p:cNvSpPr/>
+          <p:nvPr/>
+        </p:nvSpPr>
+        <p:spPr>
+          <a:xfrm>
+            <a:off x="2843808" y="1052736"/>
+            <a:ext cx="288032" cy="288032"/>
+          </a:xfrm>
+          <a:prstGeom prst="ellipse">
+            <a:avLst/>
+          </a:prstGeom>
+        </p:spPr>
+        <p:style>
+          <a:lnRef idx="2">
+            <a:schemeClr val="accent1">
+              <a:shade val="50000"/>
+            </a:schemeClr>
+          </a:lnRef>
+          <a:fillRef idx="1">
+            <a:schemeClr val="accent1"/>
+          </a:fillRef>
+          <a:effectRef idx="0">
+            <a:schemeClr val="accent1"/>
+          </a:effectRef>
+          <a:fontRef idx="minor">
+            <a:schemeClr val="lt1"/>
+          </a:fontRef>
+        </p:style>
+        <p:txBody>
+          <a:bodyPr rtlCol="0" anchor="ctr"/>
+          <a:lstStyle/>
+          <a:p>
+            <a:pPr algn="ctr"/>
+            <a:r>
+              <a:rPr lang="en-GB" dirty="0" smtClean="0"/>
+              <a:t>1</a:t>
+            </a:r>
+            <a:endParaRPr lang="en-GB" dirty="0"/>
+          </a:p>
+        </p:txBody>
+      </p:sp>
+      <p:sp>
+        <p:nvSpPr>
+          <p:cNvPr id="17" name="Oval 16"/>
+          <p:cNvSpPr/>
+          <p:nvPr/>
+        </p:nvSpPr>
+        <p:spPr>
+          <a:xfrm>
+            <a:off x="2627784" y="3140968"/>
+            <a:ext cx="288032" cy="288032"/>
+          </a:xfrm>
+          <a:prstGeom prst="ellipse">
+            <a:avLst/>
+          </a:prstGeom>
+        </p:spPr>
+        <p:style>
+          <a:lnRef idx="2">
+            <a:schemeClr val="accent1">
+              <a:shade val="50000"/>
+            </a:schemeClr>
+          </a:lnRef>
+          <a:fillRef idx="1">
+            <a:schemeClr val="accent1"/>
+          </a:fillRef>
+          <a:effectRef idx="0">
+            <a:schemeClr val="accent1"/>
+          </a:effectRef>
+          <a:fontRef idx="minor">
+            <a:schemeClr val="lt1"/>
+          </a:fontRef>
+        </p:style>
+        <p:txBody>
+          <a:bodyPr rtlCol="0" anchor="ctr"/>
+          <a:lstStyle/>
+          <a:p>
+            <a:pPr algn="ctr"/>
+            <a:r>
+              <a:rPr lang="en-GB" dirty="0" smtClean="0"/>
+              <a:t>1</a:t>
+            </a:r>
+            <a:endParaRPr lang="en-GB" dirty="0"/>
+          </a:p>
+        </p:txBody>
+      </p:sp>
+      <p:pic>
+        <p:nvPicPr>
+          <p:cNvPr id="1035" name="Picture 11"/>
+          <p:cNvPicPr>
+            <a:picLocks noChangeAspect="1" noChangeArrowheads="1"/>
+          </p:cNvPicPr>
+          <p:nvPr/>
+        </p:nvPicPr>
+        <p:blipFill>
+          <a:blip r:embed="rId4" cstate="print"/>
+          <a:srcRect/>
+          <a:stretch>
+            <a:fillRect/>
+          </a:stretch>
+        </p:blipFill>
+        <p:spPr bwMode="auto">
+          <a:xfrm>
+            <a:off x="2339752" y="2969518"/>
+            <a:ext cx="1238250" cy="171450"/>
+          </a:xfrm>
+          <a:prstGeom prst="rect">
+            <a:avLst/>
+          </a:prstGeom>
+          <a:noFill/>
+          <a:ln w="9525">
+            <a:noFill/>
+            <a:miter lim="800000"/>
+            <a:headEnd/>
+            <a:tailEnd/>
+          </a:ln>
+        </p:spPr>
+      </p:pic>
+      <p:sp>
+        <p:nvSpPr>
+          <p:cNvPr id="29" name="Oval 28"/>
+          <p:cNvSpPr/>
+          <p:nvPr/>
+        </p:nvSpPr>
+        <p:spPr>
+          <a:xfrm>
+            <a:off x="3419872" y="2924944"/>
+            <a:ext cx="288032" cy="288032"/>
+          </a:xfrm>
+          <a:prstGeom prst="ellipse">
+            <a:avLst/>
+          </a:prstGeom>
+        </p:spPr>
+        <p:style>
+          <a:lnRef idx="2">
+            <a:schemeClr val="accent1">
+              <a:shade val="50000"/>
+            </a:schemeClr>
+          </a:lnRef>
+          <a:fillRef idx="1">
+            <a:schemeClr val="accent1"/>
+          </a:fillRef>
+          <a:effectRef idx="0">
+            <a:schemeClr val="accent1"/>
+          </a:effectRef>
+          <a:fontRef idx="minor">
+            <a:schemeClr val="lt1"/>
+          </a:fontRef>
+        </p:style>
+        <p:txBody>
+          <a:bodyPr rtlCol="0" anchor="ctr"/>
+          <a:lstStyle/>
+          <a:p>
+            <a:pPr algn="ctr"/>
+            <a:r>
+              <a:rPr lang="en-GB" dirty="0" smtClean="0"/>
+              <a:t>3</a:t>
+            </a:r>
+            <a:endParaRPr lang="en-GB" dirty="0"/>
+          </a:p>
+        </p:txBody>
+      </p:sp>
+      <p:sp>
+        <p:nvSpPr>
+          <p:cNvPr id="30" name="Oval 29"/>
+          <p:cNvSpPr/>
+          <p:nvPr/>
+        </p:nvSpPr>
+        <p:spPr>
+          <a:xfrm>
+            <a:off x="3131840" y="1412776"/>
+            <a:ext cx="288032" cy="288032"/>
+          </a:xfrm>
+          <a:prstGeom prst="ellipse">
+            <a:avLst/>
+          </a:prstGeom>
+        </p:spPr>
+        <p:style>
+          <a:lnRef idx="2">
+            <a:schemeClr val="accent1">
+              <a:shade val="50000"/>
+            </a:schemeClr>
+          </a:lnRef>
+          <a:fillRef idx="1">
+            <a:schemeClr val="accent1"/>
+          </a:fillRef>
+          <a:effectRef idx="0">
+            <a:schemeClr val="accent1"/>
+          </a:effectRef>
+          <a:fontRef idx="minor">
+            <a:schemeClr val="lt1"/>
+          </a:fontRef>
+        </p:style>
+        <p:txBody>
+          <a:bodyPr rtlCol="0" anchor="ctr"/>
+          <a:lstStyle/>
+          <a:p>
+            <a:pPr algn="ctr"/>
+            <a:r>
+              <a:rPr lang="en-GB" dirty="0" smtClean="0"/>
+              <a:t>3</a:t>
+            </a:r>
+            <a:endParaRPr lang="en-GB" dirty="0"/>
           </a:p>
         </p:txBody>
       </p:sp>
@@ -5969,78 +6991,64 @@
       </p:grpSpPr>
       <p:pic>
         <p:nvPicPr>
-          <p:cNvPr id="1026" name="Picture 2"/>
+          <p:cNvPr id="4" name="Picture 3" descr="login2.JPG"/>
           <p:cNvPicPr>
-            <a:picLocks noChangeAspect="1" noChangeArrowheads="1"/>
+            <a:picLocks noChangeAspect="1"/>
           </p:cNvPicPr>
           <p:nvPr/>
         </p:nvPicPr>
         <p:blipFill>
           <a:blip r:embed="rId2" cstate="print"/>
-          <a:srcRect/>
           <a:stretch>
             <a:fillRect/>
           </a:stretch>
         </p:blipFill>
-        <p:spPr bwMode="auto">
-          <a:xfrm>
-            <a:off x="2133600" y="2081213"/>
-            <a:ext cx="4876800" cy="2695575"/>
+        <p:spPr>
+          <a:xfrm>
+            <a:off x="1547664" y="2348880"/>
+            <a:ext cx="4924425" cy="971550"/>
           </a:xfrm>
           <a:prstGeom prst="rect">
             <a:avLst/>
           </a:prstGeom>
-          <a:noFill/>
-          <a:ln w="9525">
-            <a:noFill/>
-            <a:miter lim="800000"/>
-            <a:headEnd/>
-            <a:tailEnd/>
-          </a:ln>
         </p:spPr>
       </p:pic>
-      <p:sp>
-        <p:nvSpPr>
-          <p:cNvPr id="5" name="TextBox 4"/>
-          <p:cNvSpPr txBox="1"/>
-          <p:nvPr/>
-        </p:nvSpPr>
-        <p:spPr>
-          <a:xfrm>
-            <a:off x="539552" y="2564904"/>
-            <a:ext cx="1482137" cy="369332"/>
+      <p:pic>
+        <p:nvPicPr>
+          <p:cNvPr id="8" name="Picture 7" descr="login3a.JPG"/>
+          <p:cNvPicPr>
+            <a:picLocks noChangeAspect="1"/>
+          </p:cNvPicPr>
+          <p:nvPr/>
+        </p:nvPicPr>
+        <p:blipFill>
+          <a:blip r:embed="rId3" cstate="print"/>
+          <a:stretch>
+            <a:fillRect/>
+          </a:stretch>
+        </p:blipFill>
+        <p:spPr>
+          <a:xfrm>
+            <a:off x="1547664" y="3645024"/>
+            <a:ext cx="4886325" cy="838200"/>
           </a:xfrm>
           <a:prstGeom prst="rect">
             <a:avLst/>
           </a:prstGeom>
-          <a:noFill/>
-        </p:spPr>
-        <p:txBody>
-          <a:bodyPr wrap="none" rtlCol="0">
-            <a:spAutoFit/>
-          </a:bodyPr>
-          <a:lstStyle/>
-          <a:p>
-            <a:r>
-              <a:rPr lang="en-GB" dirty="0" smtClean="0"/>
-              <a:t>Breadcrumbs </a:t>
-            </a:r>
-            <a:endParaRPr lang="en-GB" dirty="0"/>
-          </a:p>
-        </p:txBody>
-      </p:sp>
-      <p:sp>
-        <p:nvSpPr>
-          <p:cNvPr id="6" name="Right Arrow 5"/>
+        </p:spPr>
+      </p:pic>
+      <p:sp>
+        <p:nvSpPr>
+          <p:cNvPr id="9" name="Down Arrow 8"/>
           <p:cNvSpPr/>
           <p:nvPr/>
         </p:nvSpPr>
         <p:spPr>
           <a:xfrm>
-            <a:off x="1979712" y="2680345"/>
-            <a:ext cx="288032" cy="144016"/>
-          </a:xfrm>
-          <a:prstGeom prst="rightArrow">
+            <a:off x="5364088" y="2348880"/>
+            <a:ext cx="144016" cy="504056"/>
+          </a:xfrm>
+          <a:prstGeom prst="downArrow">
             <a:avLst/>
           </a:prstGeom>
         </p:spPr>
@@ -6071,49 +7079,14 @@
       </p:sp>
       <p:sp>
         <p:nvSpPr>
-          <p:cNvPr id="7" name="TextBox 6"/>
-          <p:cNvSpPr txBox="1"/>
-          <p:nvPr/>
-        </p:nvSpPr>
-        <p:spPr>
-          <a:xfrm>
-            <a:off x="2305844" y="1825774"/>
-            <a:ext cx="623889" cy="307777"/>
-          </a:xfrm>
-          <a:prstGeom prst="rect">
-            <a:avLst/>
-          </a:prstGeom>
-          <a:noFill/>
-          <a:ln>
-            <a:solidFill>
-              <a:schemeClr val="accent1"/>
-            </a:solidFill>
-          </a:ln>
-        </p:spPr>
-        <p:txBody>
-          <a:bodyPr wrap="none" rtlCol="0">
-            <a:spAutoFit/>
-          </a:bodyPr>
-          <a:lstStyle/>
-          <a:p>
-            <a:r>
-              <a:rPr lang="en-GB" sz="1400" dirty="0" smtClean="0"/>
-              <a:t>Home</a:t>
-            </a:r>
-            <a:endParaRPr lang="en-GB" sz="1400" dirty="0"/>
-          </a:p>
-        </p:txBody>
-      </p:sp>
-      <p:sp>
-        <p:nvSpPr>
-          <p:cNvPr id="8" name="Down Arrow 7"/>
+          <p:cNvPr id="10" name="Down Arrow 9"/>
           <p:cNvSpPr/>
           <p:nvPr/>
         </p:nvSpPr>
         <p:spPr>
           <a:xfrm>
-            <a:off x="2555776" y="2204864"/>
-            <a:ext cx="144016" cy="432048"/>
+            <a:off x="5940152" y="2348880"/>
+            <a:ext cx="144016" cy="504056"/>
           </a:xfrm>
           <a:prstGeom prst="downArrow">
             <a:avLst/>
@@ -6146,84 +7119,14 @@
       </p:sp>
       <p:sp>
         <p:nvSpPr>
-          <p:cNvPr id="11" name="TextBox 10"/>
-          <p:cNvSpPr txBox="1"/>
-          <p:nvPr/>
-        </p:nvSpPr>
-        <p:spPr>
-          <a:xfrm>
-            <a:off x="3059832" y="1825079"/>
-            <a:ext cx="528863" cy="307777"/>
-          </a:xfrm>
-          <a:prstGeom prst="rect">
-            <a:avLst/>
-          </a:prstGeom>
-          <a:noFill/>
-          <a:ln>
-            <a:solidFill>
-              <a:schemeClr val="accent1"/>
-            </a:solidFill>
-          </a:ln>
-        </p:spPr>
-        <p:txBody>
-          <a:bodyPr wrap="none" rtlCol="0">
-            <a:spAutoFit/>
-          </a:bodyPr>
-          <a:lstStyle/>
-          <a:p>
-            <a:r>
-              <a:rPr lang="en-GB" sz="1400" dirty="0" smtClean="0"/>
-              <a:t>Root</a:t>
-            </a:r>
-            <a:endParaRPr lang="en-GB" sz="1400" dirty="0"/>
-          </a:p>
-        </p:txBody>
-      </p:sp>
-      <p:sp>
-        <p:nvSpPr>
-          <p:cNvPr id="13" name="TextBox 12"/>
-          <p:cNvSpPr txBox="1"/>
-          <p:nvPr/>
-        </p:nvSpPr>
-        <p:spPr>
-          <a:xfrm>
-            <a:off x="4190362" y="1825774"/>
-            <a:ext cx="741678" cy="307777"/>
-          </a:xfrm>
-          <a:prstGeom prst="rect">
-            <a:avLst/>
-          </a:prstGeom>
-          <a:noFill/>
-          <a:ln>
-            <a:solidFill>
-              <a:schemeClr val="accent1"/>
-            </a:solidFill>
-          </a:ln>
-        </p:spPr>
-        <p:txBody>
-          <a:bodyPr wrap="none" rtlCol="0">
-            <a:spAutoFit/>
-          </a:bodyPr>
-          <a:lstStyle/>
-          <a:p>
-            <a:r>
-              <a:rPr lang="en-GB" sz="1400" dirty="0" smtClean="0"/>
-              <a:t>Current</a:t>
-            </a:r>
-            <a:endParaRPr lang="en-GB" sz="1400" dirty="0"/>
-          </a:p>
-        </p:txBody>
-      </p:sp>
-      <p:sp>
-        <p:nvSpPr>
-          <p:cNvPr id="14" name="Down Arrow 13"/>
+          <p:cNvPr id="11" name="Down Arrow 10"/>
           <p:cNvSpPr/>
           <p:nvPr/>
         </p:nvSpPr>
         <p:spPr>
           <a:xfrm>
-            <a:off x="4482586" y="2204864"/>
-            <a:ext cx="144016" cy="432048"/>
+            <a:off x="5292080" y="3645024"/>
+            <a:ext cx="144016" cy="504056"/>
           </a:xfrm>
           <a:prstGeom prst="downArrow">
             <a:avLst/>
@@ -6256,14 +7159,14 @@
       </p:sp>
       <p:sp>
         <p:nvSpPr>
-          <p:cNvPr id="15" name="Down Arrow 14"/>
+          <p:cNvPr id="12" name="Down Arrow 11"/>
           <p:cNvSpPr/>
           <p:nvPr/>
         </p:nvSpPr>
         <p:spPr>
           <a:xfrm>
-            <a:off x="3131840" y="2204864"/>
-            <a:ext cx="144016" cy="432048"/>
+            <a:off x="5940152" y="3645024"/>
+            <a:ext cx="144016" cy="504056"/>
           </a:xfrm>
           <a:prstGeom prst="downArrow">
             <a:avLst/>
@@ -6321,14 +7224,14 @@
       </p:grpSpPr>
       <p:pic>
         <p:nvPicPr>
-          <p:cNvPr id="1027" name="Picture 3"/>
+          <p:cNvPr id="1026" name="Picture 2"/>
           <p:cNvPicPr>
             <a:picLocks noChangeAspect="1" noChangeArrowheads="1"/>
           </p:cNvPicPr>
           <p:nvPr/>
         </p:nvPicPr>
         <p:blipFill>
-          <a:blip r:embed="rId3" cstate="print"/>
+          <a:blip r:embed="rId2" cstate="print"/>
           <a:srcRect/>
           <a:stretch>
             <a:fillRect/>
@@ -6336,8 +7239,8 @@
         </p:blipFill>
         <p:spPr bwMode="auto">
           <a:xfrm>
-            <a:off x="2483768" y="3068960"/>
-            <a:ext cx="4572000" cy="1619250"/>
+            <a:off x="2133600" y="2081213"/>
+            <a:ext cx="4876800" cy="2695575"/>
           </a:xfrm>
           <a:prstGeom prst="rect">
             <a:avLst/>
@@ -6351,58 +7254,50 @@
           </a:ln>
         </p:spPr>
       </p:pic>
-      <p:pic>
-        <p:nvPicPr>
-          <p:cNvPr id="1026" name="Picture 2"/>
-          <p:cNvPicPr>
-            <a:picLocks noChangeAspect="1" noChangeArrowheads="1"/>
-          </p:cNvPicPr>
-          <p:nvPr/>
-        </p:nvPicPr>
-        <p:blipFill>
-          <a:blip r:embed="rId4" cstate="print"/>
-          <a:srcRect/>
-          <a:stretch>
-            <a:fillRect/>
-          </a:stretch>
-        </p:blipFill>
-        <p:spPr bwMode="auto">
-          <a:xfrm>
-            <a:off x="2411760" y="764704"/>
-            <a:ext cx="4600575" cy="1628775"/>
+      <p:sp>
+        <p:nvSpPr>
+          <p:cNvPr id="5" name="TextBox 4"/>
+          <p:cNvSpPr txBox="1"/>
+          <p:nvPr/>
+        </p:nvSpPr>
+        <p:spPr>
+          <a:xfrm>
+            <a:off x="539552" y="2564904"/>
+            <a:ext cx="1482137" cy="369332"/>
           </a:xfrm>
           <a:prstGeom prst="rect">
             <a:avLst/>
           </a:prstGeom>
           <a:noFill/>
-          <a:ln w="9525">
-            <a:noFill/>
-            <a:miter lim="800000"/>
-            <a:headEnd/>
-            <a:tailEnd/>
-          </a:ln>
-        </p:spPr>
-      </p:pic>
-      <p:sp>
-        <p:nvSpPr>
-          <p:cNvPr id="5" name="Down Arrow 4"/>
+        </p:spPr>
+        <p:txBody>
+          <a:bodyPr wrap="none" rtlCol="0">
+            <a:spAutoFit/>
+          </a:bodyPr>
+          <a:lstStyle/>
+          <a:p>
+            <a:r>
+              <a:rPr lang="en-GB" dirty="0" smtClean="0"/>
+              <a:t>Breadcrumbs </a:t>
+            </a:r>
+            <a:endParaRPr lang="en-GB" dirty="0"/>
+          </a:p>
+        </p:txBody>
+      </p:sp>
+      <p:sp>
+        <p:nvSpPr>
+          <p:cNvPr id="6" name="Right Arrow 5"/>
           <p:cNvSpPr/>
           <p:nvPr/>
         </p:nvSpPr>
         <p:spPr>
           <a:xfrm>
-            <a:off x="4568031" y="974452"/>
-            <a:ext cx="144016" cy="432048"/>
-          </a:xfrm>
-          <a:prstGeom prst="downArrow">
-            <a:avLst/>
-          </a:prstGeom>
-          <a:scene3d>
-            <a:camera prst="orthographicFront">
-              <a:rot lat="10800000" lon="0" rev="0"/>
-            </a:camera>
-            <a:lightRig rig="threePt" dir="t"/>
-          </a:scene3d>
+            <a:off x="1979712" y="2680345"/>
+            <a:ext cx="288032" cy="144016"/>
+          </a:xfrm>
+          <a:prstGeom prst="rightArrow">
+            <a:avLst/>
+          </a:prstGeom>
         </p:spPr>
         <p:style>
           <a:lnRef idx="2">
@@ -6431,24 +7326,203 @@
       </p:sp>
       <p:sp>
         <p:nvSpPr>
-          <p:cNvPr id="6" name="Down Arrow 5"/>
+          <p:cNvPr id="7" name="TextBox 6"/>
+          <p:cNvSpPr txBox="1"/>
+          <p:nvPr/>
+        </p:nvSpPr>
+        <p:spPr>
+          <a:xfrm>
+            <a:off x="2305844" y="1825774"/>
+            <a:ext cx="623889" cy="307777"/>
+          </a:xfrm>
+          <a:prstGeom prst="rect">
+            <a:avLst/>
+          </a:prstGeom>
+          <a:noFill/>
+          <a:ln>
+            <a:solidFill>
+              <a:schemeClr val="accent1"/>
+            </a:solidFill>
+          </a:ln>
+        </p:spPr>
+        <p:txBody>
+          <a:bodyPr wrap="none" rtlCol="0">
+            <a:spAutoFit/>
+          </a:bodyPr>
+          <a:lstStyle/>
+          <a:p>
+            <a:r>
+              <a:rPr lang="en-GB" sz="1400" dirty="0" smtClean="0"/>
+              <a:t>Home</a:t>
+            </a:r>
+            <a:endParaRPr lang="en-GB" sz="1400" dirty="0"/>
+          </a:p>
+        </p:txBody>
+      </p:sp>
+      <p:sp>
+        <p:nvSpPr>
+          <p:cNvPr id="8" name="Down Arrow 7"/>
           <p:cNvSpPr/>
           <p:nvPr/>
         </p:nvSpPr>
         <p:spPr>
           <a:xfrm>
-            <a:off x="6732240" y="3284984"/>
+            <a:off x="2555776" y="2204864"/>
             <a:ext cx="144016" cy="432048"/>
           </a:xfrm>
           <a:prstGeom prst="downArrow">
             <a:avLst/>
           </a:prstGeom>
-          <a:scene3d>
-            <a:camera prst="orthographicFront">
-              <a:rot lat="10800000" lon="0" rev="0"/>
-            </a:camera>
-            <a:lightRig rig="threePt" dir="t"/>
-          </a:scene3d>
+        </p:spPr>
+        <p:style>
+          <a:lnRef idx="2">
+            <a:schemeClr val="accent1">
+              <a:shade val="50000"/>
+            </a:schemeClr>
+          </a:lnRef>
+          <a:fillRef idx="1">
+            <a:schemeClr val="accent1"/>
+          </a:fillRef>
+          <a:effectRef idx="0">
+            <a:schemeClr val="accent1"/>
+          </a:effectRef>
+          <a:fontRef idx="minor">
+            <a:schemeClr val="lt1"/>
+          </a:fontRef>
+        </p:style>
+        <p:txBody>
+          <a:bodyPr rtlCol="0" anchor="ctr"/>
+          <a:lstStyle/>
+          <a:p>
+            <a:pPr algn="ctr"/>
+            <a:endParaRPr lang="en-GB"/>
+          </a:p>
+        </p:txBody>
+      </p:sp>
+      <p:sp>
+        <p:nvSpPr>
+          <p:cNvPr id="11" name="TextBox 10"/>
+          <p:cNvSpPr txBox="1"/>
+          <p:nvPr/>
+        </p:nvSpPr>
+        <p:spPr>
+          <a:xfrm>
+            <a:off x="3059832" y="1825079"/>
+            <a:ext cx="528863" cy="307777"/>
+          </a:xfrm>
+          <a:prstGeom prst="rect">
+            <a:avLst/>
+          </a:prstGeom>
+          <a:noFill/>
+          <a:ln>
+            <a:solidFill>
+              <a:schemeClr val="accent1"/>
+            </a:solidFill>
+          </a:ln>
+        </p:spPr>
+        <p:txBody>
+          <a:bodyPr wrap="none" rtlCol="0">
+            <a:spAutoFit/>
+          </a:bodyPr>
+          <a:lstStyle/>
+          <a:p>
+            <a:r>
+              <a:rPr lang="en-GB" sz="1400" dirty="0" smtClean="0"/>
+              <a:t>Root</a:t>
+            </a:r>
+            <a:endParaRPr lang="en-GB" sz="1400" dirty="0"/>
+          </a:p>
+        </p:txBody>
+      </p:sp>
+      <p:sp>
+        <p:nvSpPr>
+          <p:cNvPr id="13" name="TextBox 12"/>
+          <p:cNvSpPr txBox="1"/>
+          <p:nvPr/>
+        </p:nvSpPr>
+        <p:spPr>
+          <a:xfrm>
+            <a:off x="4190362" y="1825774"/>
+            <a:ext cx="741678" cy="307777"/>
+          </a:xfrm>
+          <a:prstGeom prst="rect">
+            <a:avLst/>
+          </a:prstGeom>
+          <a:noFill/>
+          <a:ln>
+            <a:solidFill>
+              <a:schemeClr val="accent1"/>
+            </a:solidFill>
+          </a:ln>
+        </p:spPr>
+        <p:txBody>
+          <a:bodyPr wrap="none" rtlCol="0">
+            <a:spAutoFit/>
+          </a:bodyPr>
+          <a:lstStyle/>
+          <a:p>
+            <a:r>
+              <a:rPr lang="en-GB" sz="1400" dirty="0" smtClean="0"/>
+              <a:t>Current</a:t>
+            </a:r>
+            <a:endParaRPr lang="en-GB" sz="1400" dirty="0"/>
+          </a:p>
+        </p:txBody>
+      </p:sp>
+      <p:sp>
+        <p:nvSpPr>
+          <p:cNvPr id="14" name="Down Arrow 13"/>
+          <p:cNvSpPr/>
+          <p:nvPr/>
+        </p:nvSpPr>
+        <p:spPr>
+          <a:xfrm>
+            <a:off x="4482586" y="2204864"/>
+            <a:ext cx="144016" cy="432048"/>
+          </a:xfrm>
+          <a:prstGeom prst="downArrow">
+            <a:avLst/>
+          </a:prstGeom>
+        </p:spPr>
+        <p:style>
+          <a:lnRef idx="2">
+            <a:schemeClr val="accent1">
+              <a:shade val="50000"/>
+            </a:schemeClr>
+          </a:lnRef>
+          <a:fillRef idx="1">
+            <a:schemeClr val="accent1"/>
+          </a:fillRef>
+          <a:effectRef idx="0">
+            <a:schemeClr val="accent1"/>
+          </a:effectRef>
+          <a:fontRef idx="minor">
+            <a:schemeClr val="lt1"/>
+          </a:fontRef>
+        </p:style>
+        <p:txBody>
+          <a:bodyPr rtlCol="0" anchor="ctr"/>
+          <a:lstStyle/>
+          <a:p>
+            <a:pPr algn="ctr"/>
+            <a:endParaRPr lang="en-GB"/>
+          </a:p>
+        </p:txBody>
+      </p:sp>
+      <p:sp>
+        <p:nvSpPr>
+          <p:cNvPr id="15" name="Down Arrow 14"/>
+          <p:cNvSpPr/>
+          <p:nvPr/>
+        </p:nvSpPr>
+        <p:spPr>
+          <a:xfrm>
+            <a:off x="3131840" y="2204864"/>
+            <a:ext cx="144016" cy="432048"/>
+          </a:xfrm>
+          <a:prstGeom prst="downArrow">
+            <a:avLst/>
+          </a:prstGeom>
         </p:spPr>
         <p:style>
           <a:lnRef idx="2">
@@ -6502,39 +7576,7 @@
       </p:grpSpPr>
       <p:pic>
         <p:nvPicPr>
-          <p:cNvPr id="2050" name="Picture 2"/>
-          <p:cNvPicPr>
-            <a:picLocks noChangeAspect="1" noChangeArrowheads="1"/>
-          </p:cNvPicPr>
-          <p:nvPr/>
-        </p:nvPicPr>
-        <p:blipFill>
-          <a:blip r:embed="rId2" cstate="print"/>
-          <a:srcRect/>
-          <a:stretch>
-            <a:fillRect/>
-          </a:stretch>
-        </p:blipFill>
-        <p:spPr bwMode="auto">
-          <a:xfrm>
-            <a:off x="1835696" y="1268760"/>
-            <a:ext cx="4638675" cy="1809750"/>
-          </a:xfrm>
-          <a:prstGeom prst="rect">
-            <a:avLst/>
-          </a:prstGeom>
-          <a:noFill/>
-          <a:ln w="9525">
-            <a:noFill/>
-            <a:miter lim="800000"/>
-            <a:headEnd/>
-            <a:tailEnd/>
-          </a:ln>
-        </p:spPr>
-      </p:pic>
-      <p:pic>
-        <p:nvPicPr>
-          <p:cNvPr id="2051" name="Picture 3"/>
+          <p:cNvPr id="1027" name="Picture 3"/>
           <p:cNvPicPr>
             <a:picLocks noChangeAspect="1" noChangeArrowheads="1"/>
           </p:cNvPicPr>
@@ -6549,8 +7591,8 @@
         </p:blipFill>
         <p:spPr bwMode="auto">
           <a:xfrm>
-            <a:off x="3275856" y="1253902"/>
-            <a:ext cx="2962275" cy="466725"/>
+            <a:off x="2483768" y="3068960"/>
+            <a:ext cx="4572000" cy="1619250"/>
           </a:xfrm>
           <a:prstGeom prst="rect">
             <a:avLst/>
@@ -6564,101 +7606,9 @@
           </a:ln>
         </p:spPr>
       </p:pic>
-      <p:sp>
-        <p:nvSpPr>
-          <p:cNvPr id="6" name="Down Arrow 5"/>
-          <p:cNvSpPr/>
-          <p:nvPr/>
-        </p:nvSpPr>
-        <p:spPr>
-          <a:xfrm>
-            <a:off x="2555776" y="1628800"/>
-            <a:ext cx="144016" cy="360040"/>
-          </a:xfrm>
-          <a:prstGeom prst="downArrow">
-            <a:avLst/>
-          </a:prstGeom>
-          <a:scene3d>
-            <a:camera prst="orthographicFront">
-              <a:rot lat="10800000" lon="0" rev="0"/>
-            </a:camera>
-            <a:lightRig rig="threePt" dir="t"/>
-          </a:scene3d>
-        </p:spPr>
-        <p:style>
-          <a:lnRef idx="2">
-            <a:schemeClr val="accent1">
-              <a:shade val="50000"/>
-            </a:schemeClr>
-          </a:lnRef>
-          <a:fillRef idx="1">
-            <a:schemeClr val="accent1"/>
-          </a:fillRef>
-          <a:effectRef idx="0">
-            <a:schemeClr val="accent1"/>
-          </a:effectRef>
-          <a:fontRef idx="minor">
-            <a:schemeClr val="lt1"/>
-          </a:fontRef>
-        </p:style>
-        <p:txBody>
-          <a:bodyPr rtlCol="0" anchor="ctr"/>
-          <a:lstStyle/>
-          <a:p>
-            <a:pPr algn="ctr"/>
-            <a:endParaRPr lang="en-GB"/>
-          </a:p>
-        </p:txBody>
-      </p:sp>
-      <p:sp>
-        <p:nvSpPr>
-          <p:cNvPr id="7" name="Down Arrow 6"/>
-          <p:cNvSpPr/>
-          <p:nvPr/>
-        </p:nvSpPr>
-        <p:spPr>
-          <a:xfrm>
-            <a:off x="3779912" y="1638325"/>
-            <a:ext cx="144016" cy="360040"/>
-          </a:xfrm>
-          <a:prstGeom prst="downArrow">
-            <a:avLst/>
-          </a:prstGeom>
-          <a:scene3d>
-            <a:camera prst="orthographicFront">
-              <a:rot lat="0" lon="0" rev="0"/>
-            </a:camera>
-            <a:lightRig rig="threePt" dir="t"/>
-          </a:scene3d>
-        </p:spPr>
-        <p:style>
-          <a:lnRef idx="2">
-            <a:schemeClr val="accent1">
-              <a:shade val="50000"/>
-            </a:schemeClr>
-          </a:lnRef>
-          <a:fillRef idx="1">
-            <a:schemeClr val="accent1"/>
-          </a:fillRef>
-          <a:effectRef idx="0">
-            <a:schemeClr val="accent1"/>
-          </a:effectRef>
-          <a:fontRef idx="minor">
-            <a:schemeClr val="lt1"/>
-          </a:fontRef>
-        </p:style>
-        <p:txBody>
-          <a:bodyPr rtlCol="0" anchor="ctr"/>
-          <a:lstStyle/>
-          <a:p>
-            <a:pPr algn="ctr"/>
-            <a:endParaRPr lang="en-GB"/>
-          </a:p>
-        </p:txBody>
-      </p:sp>
       <p:pic>
         <p:nvPicPr>
-          <p:cNvPr id="2052" name="Picture 4"/>
+          <p:cNvPr id="1026" name="Picture 2"/>
           <p:cNvPicPr>
             <a:picLocks noChangeAspect="1" noChangeArrowheads="1"/>
           </p:cNvPicPr>
@@ -6673,8 +7623,8 @@
         </p:blipFill>
         <p:spPr bwMode="auto">
           <a:xfrm>
-            <a:off x="1835696" y="3212976"/>
-            <a:ext cx="4581525" cy="1800225"/>
+            <a:off x="2411760" y="764704"/>
+            <a:ext cx="4600575" cy="1628775"/>
           </a:xfrm>
           <a:prstGeom prst="rect">
             <a:avLst/>
@@ -6690,21 +7640,67 @@
       </p:pic>
       <p:sp>
         <p:nvSpPr>
-          <p:cNvPr id="9" name="Down Arrow 8"/>
+          <p:cNvPr id="5" name="Down Arrow 4"/>
           <p:cNvSpPr/>
           <p:nvPr/>
         </p:nvSpPr>
         <p:spPr>
           <a:xfrm>
-            <a:off x="4788024" y="3429000"/>
-            <a:ext cx="144016" cy="360040"/>
+            <a:off x="4568031" y="974452"/>
+            <a:ext cx="144016" cy="432048"/>
           </a:xfrm>
           <a:prstGeom prst="downArrow">
             <a:avLst/>
           </a:prstGeom>
           <a:scene3d>
             <a:camera prst="orthographicFront">
-              <a:rot lat="0" lon="0" rev="0"/>
+              <a:rot lat="10800000" lon="0" rev="0"/>
+            </a:camera>
+            <a:lightRig rig="threePt" dir="t"/>
+          </a:scene3d>
+        </p:spPr>
+        <p:style>
+          <a:lnRef idx="2">
+            <a:schemeClr val="accent1">
+              <a:shade val="50000"/>
+            </a:schemeClr>
+          </a:lnRef>
+          <a:fillRef idx="1">
+            <a:schemeClr val="accent1"/>
+          </a:fillRef>
+          <a:effectRef idx="0">
+            <a:schemeClr val="accent1"/>
+          </a:effectRef>
+          <a:fontRef idx="minor">
+            <a:schemeClr val="lt1"/>
+          </a:fontRef>
+        </p:style>
+        <p:txBody>
+          <a:bodyPr rtlCol="0" anchor="ctr"/>
+          <a:lstStyle/>
+          <a:p>
+            <a:pPr algn="ctr"/>
+            <a:endParaRPr lang="en-GB"/>
+          </a:p>
+        </p:txBody>
+      </p:sp>
+      <p:sp>
+        <p:nvSpPr>
+          <p:cNvPr id="6" name="Down Arrow 5"/>
+          <p:cNvSpPr/>
+          <p:nvPr/>
+        </p:nvSpPr>
+        <p:spPr>
+          <a:xfrm>
+            <a:off x="6732240" y="3284984"/>
+            <a:ext cx="144016" cy="432048"/>
+          </a:xfrm>
+          <a:prstGeom prst="downArrow">
+            <a:avLst/>
+          </a:prstGeom>
+          <a:scene3d>
+            <a:camera prst="orthographicFront">
+              <a:rot lat="10800000" lon="0" rev="0"/>
             </a:camera>
             <a:lightRig rig="threePt" dir="t"/>
           </a:scene3d>
@@ -6761,7 +7757,7 @@
       </p:grpSpPr>
       <p:pic>
         <p:nvPicPr>
-          <p:cNvPr id="3074" name="Picture 2"/>
+          <p:cNvPr id="2050" name="Picture 2"/>
           <p:cNvPicPr>
             <a:picLocks noChangeAspect="1" noChangeArrowheads="1"/>
           </p:cNvPicPr>
@@ -6776,8 +7772,8 @@
         </p:blipFill>
         <p:spPr bwMode="auto">
           <a:xfrm>
-            <a:off x="1835696" y="548680"/>
-            <a:ext cx="4667250" cy="2066925"/>
+            <a:off x="1835696" y="1268760"/>
+            <a:ext cx="4638675" cy="1809750"/>
           </a:xfrm>
           <a:prstGeom prst="rect">
             <a:avLst/>
@@ -6791,15 +7787,93 @@
           </a:ln>
         </p:spPr>
       </p:pic>
-      <p:sp>
-        <p:nvSpPr>
-          <p:cNvPr id="5" name="Down Arrow 4"/>
+      <p:pic>
+        <p:nvPicPr>
+          <p:cNvPr id="2051" name="Picture 3"/>
+          <p:cNvPicPr>
+            <a:picLocks noChangeAspect="1" noChangeArrowheads="1"/>
+          </p:cNvPicPr>
+          <p:nvPr/>
+        </p:nvPicPr>
+        <p:blipFill>
+          <a:blip r:embed="rId3" cstate="print"/>
+          <a:srcRect/>
+          <a:stretch>
+            <a:fillRect/>
+          </a:stretch>
+        </p:blipFill>
+        <p:spPr bwMode="auto">
+          <a:xfrm>
+            <a:off x="3275856" y="1253902"/>
+            <a:ext cx="2962275" cy="466725"/>
+          </a:xfrm>
+          <a:prstGeom prst="rect">
+            <a:avLst/>
+          </a:prstGeom>
+          <a:noFill/>
+          <a:ln w="9525">
+            <a:noFill/>
+            <a:miter lim="800000"/>
+            <a:headEnd/>
+            <a:tailEnd/>
+          </a:ln>
+        </p:spPr>
+      </p:pic>
+      <p:sp>
+        <p:nvSpPr>
+          <p:cNvPr id="6" name="Down Arrow 5"/>
           <p:cNvSpPr/>
           <p:nvPr/>
         </p:nvSpPr>
         <p:spPr>
           <a:xfrm>
-            <a:off x="2699792" y="1124744"/>
+            <a:off x="2555776" y="1628800"/>
+            <a:ext cx="144016" cy="360040"/>
+          </a:xfrm>
+          <a:prstGeom prst="downArrow">
+            <a:avLst/>
+          </a:prstGeom>
+          <a:scene3d>
+            <a:camera prst="orthographicFront">
+              <a:rot lat="10800000" lon="0" rev="0"/>
+            </a:camera>
+            <a:lightRig rig="threePt" dir="t"/>
+          </a:scene3d>
+        </p:spPr>
+        <p:style>
+          <a:lnRef idx="2">
+            <a:schemeClr val="accent1">
+              <a:shade val="50000"/>
+            </a:schemeClr>
+          </a:lnRef>
+          <a:fillRef idx="1">
+            <a:schemeClr val="accent1"/>
+          </a:fillRef>
+          <a:effectRef idx="0">
+            <a:schemeClr val="accent1"/>
+          </a:effectRef>
+          <a:fontRef idx="minor">
+            <a:schemeClr val="lt1"/>
+          </a:fontRef>
+        </p:style>
+        <p:txBody>
+          <a:bodyPr rtlCol="0" anchor="ctr"/>
+          <a:lstStyle/>
+          <a:p>
+            <a:pPr algn="ctr"/>
+            <a:endParaRPr lang="en-GB"/>
+          </a:p>
+        </p:txBody>
+      </p:sp>
+      <p:sp>
+        <p:nvSpPr>
+          <p:cNvPr id="7" name="Down Arrow 6"/>
+          <p:cNvSpPr/>
+          <p:nvPr/>
+        </p:nvSpPr>
+        <p:spPr>
+          <a:xfrm>
+            <a:off x="3779912" y="1638325"/>
             <a:ext cx="144016" cy="360040"/>
           </a:xfrm>
           <a:prstGeom prst="downArrow">
@@ -6808,6 +7882,395 @@
           <a:scene3d>
             <a:camera prst="orthographicFront">
               <a:rot lat="0" lon="0" rev="0"/>
+            </a:camera>
+            <a:lightRig rig="threePt" dir="t"/>
+          </a:scene3d>
+        </p:spPr>
+        <p:style>
+          <a:lnRef idx="2">
+            <a:schemeClr val="accent1">
+              <a:shade val="50000"/>
+            </a:schemeClr>
+          </a:lnRef>
+          <a:fillRef idx="1">
+            <a:schemeClr val="accent1"/>
+          </a:fillRef>
+          <a:effectRef idx="0">
+            <a:schemeClr val="accent1"/>
+          </a:effectRef>
+          <a:fontRef idx="minor">
+            <a:schemeClr val="lt1"/>
+          </a:fontRef>
+        </p:style>
+        <p:txBody>
+          <a:bodyPr rtlCol="0" anchor="ctr"/>
+          <a:lstStyle/>
+          <a:p>
+            <a:pPr algn="ctr"/>
+            <a:endParaRPr lang="en-GB"/>
+          </a:p>
+        </p:txBody>
+      </p:sp>
+      <p:pic>
+        <p:nvPicPr>
+          <p:cNvPr id="2052" name="Picture 4"/>
+          <p:cNvPicPr>
+            <a:picLocks noChangeAspect="1" noChangeArrowheads="1"/>
+          </p:cNvPicPr>
+          <p:nvPr/>
+        </p:nvPicPr>
+        <p:blipFill>
+          <a:blip r:embed="rId4" cstate="print"/>
+          <a:srcRect/>
+          <a:stretch>
+            <a:fillRect/>
+          </a:stretch>
+        </p:blipFill>
+        <p:spPr bwMode="auto">
+          <a:xfrm>
+            <a:off x="1835696" y="3212976"/>
+            <a:ext cx="4581525" cy="1800225"/>
+          </a:xfrm>
+          <a:prstGeom prst="rect">
+            <a:avLst/>
+          </a:prstGeom>
+          <a:noFill/>
+          <a:ln w="9525">
+            <a:noFill/>
+            <a:miter lim="800000"/>
+            <a:headEnd/>
+            <a:tailEnd/>
+          </a:ln>
+        </p:spPr>
+      </p:pic>
+      <p:sp>
+        <p:nvSpPr>
+          <p:cNvPr id="9" name="Down Arrow 8"/>
+          <p:cNvSpPr/>
+          <p:nvPr/>
+        </p:nvSpPr>
+        <p:spPr>
+          <a:xfrm>
+            <a:off x="4788024" y="3429000"/>
+            <a:ext cx="144016" cy="360040"/>
+          </a:xfrm>
+          <a:prstGeom prst="downArrow">
+            <a:avLst/>
+          </a:prstGeom>
+          <a:scene3d>
+            <a:camera prst="orthographicFront">
+              <a:rot lat="0" lon="0" rev="0"/>
+            </a:camera>
+            <a:lightRig rig="threePt" dir="t"/>
+          </a:scene3d>
+        </p:spPr>
+        <p:style>
+          <a:lnRef idx="2">
+            <a:schemeClr val="accent1">
+              <a:shade val="50000"/>
+            </a:schemeClr>
+          </a:lnRef>
+          <a:fillRef idx="1">
+            <a:schemeClr val="accent1"/>
+          </a:fillRef>
+          <a:effectRef idx="0">
+            <a:schemeClr val="accent1"/>
+          </a:effectRef>
+          <a:fontRef idx="minor">
+            <a:schemeClr val="lt1"/>
+          </a:fontRef>
+        </p:style>
+        <p:txBody>
+          <a:bodyPr rtlCol="0" anchor="ctr"/>
+          <a:lstStyle/>
+          <a:p>
+            <a:pPr algn="ctr"/>
+            <a:endParaRPr lang="en-GB"/>
+          </a:p>
+        </p:txBody>
+      </p:sp>
+    </p:spTree>
+  </p:cSld>
+  <p:clrMapOvr>
+    <a:masterClrMapping/>
+  </p:clrMapOvr>
+</p:sld>
+</file>
+
+<file path=ppt/slides/slide9.xml><?xml version="1.0" encoding="utf-8"?>
+<p:sld xmlns:a="http://schemas.openxmlformats.org/drawingml/2006/main" xmlns:r="http://schemas.openxmlformats.org/officeDocument/2006/relationships" xmlns:p="http://schemas.openxmlformats.org/presentationml/2006/main">
+  <p:cSld>
+    <p:spTree>
+      <p:nvGrpSpPr>
+        <p:cNvPr id="1" name=""/>
+        <p:cNvGrpSpPr/>
+        <p:nvPr/>
+      </p:nvGrpSpPr>
+      <p:grpSpPr>
+        <a:xfrm>
+          <a:off x="0" y="0"/>
+          <a:ext cx="0" cy="0"/>
+          <a:chOff x="0" y="0"/>
+          <a:chExt cx="0" cy="0"/>
+        </a:xfrm>
+      </p:grpSpPr>
+      <p:pic>
+        <p:nvPicPr>
+          <p:cNvPr id="3074" name="Picture 2"/>
+          <p:cNvPicPr>
+            <a:picLocks noChangeAspect="1" noChangeArrowheads="1"/>
+          </p:cNvPicPr>
+          <p:nvPr/>
+        </p:nvPicPr>
+        <p:blipFill>
+          <a:blip r:embed="rId2" cstate="print"/>
+          <a:srcRect/>
+          <a:stretch>
+            <a:fillRect/>
+          </a:stretch>
+        </p:blipFill>
+        <p:spPr bwMode="auto">
+          <a:xfrm>
+            <a:off x="1835696" y="548680"/>
+            <a:ext cx="4667250" cy="2066925"/>
+          </a:xfrm>
+          <a:prstGeom prst="rect">
+            <a:avLst/>
+          </a:prstGeom>
+          <a:noFill/>
+          <a:ln w="9525">
+            <a:noFill/>
+            <a:miter lim="800000"/>
+            <a:headEnd/>
+            <a:tailEnd/>
+          </a:ln>
+        </p:spPr>
+      </p:pic>
+      <p:sp>
+        <p:nvSpPr>
+          <p:cNvPr id="5" name="Down Arrow 4"/>
+          <p:cNvSpPr/>
+          <p:nvPr/>
+        </p:nvSpPr>
+        <p:spPr>
+          <a:xfrm>
+            <a:off x="2699792" y="1124744"/>
+            <a:ext cx="144016" cy="360040"/>
+          </a:xfrm>
+          <a:prstGeom prst="downArrow">
+            <a:avLst/>
+          </a:prstGeom>
+          <a:scene3d>
+            <a:camera prst="orthographicFront">
+              <a:rot lat="0" lon="0" rev="0"/>
+            </a:camera>
+            <a:lightRig rig="threePt" dir="t"/>
+          </a:scene3d>
+        </p:spPr>
+        <p:style>
+          <a:lnRef idx="2">
+            <a:schemeClr val="accent1">
+              <a:shade val="50000"/>
+            </a:schemeClr>
+          </a:lnRef>
+          <a:fillRef idx="1">
+            <a:schemeClr val="accent1"/>
+          </a:fillRef>
+          <a:effectRef idx="0">
+            <a:schemeClr val="accent1"/>
+          </a:effectRef>
+          <a:fontRef idx="minor">
+            <a:schemeClr val="lt1"/>
+          </a:fontRef>
+        </p:style>
+        <p:txBody>
+          <a:bodyPr rtlCol="0" anchor="ctr"/>
+          <a:lstStyle/>
+          <a:p>
+            <a:pPr algn="ctr"/>
+            <a:endParaRPr lang="en-GB"/>
+          </a:p>
+        </p:txBody>
+      </p:sp>
+      <p:pic>
+        <p:nvPicPr>
+          <p:cNvPr id="4" name="Picture 3" descr="Corners2.JPG"/>
+          <p:cNvPicPr>
+            <a:picLocks noChangeAspect="1"/>
+          </p:cNvPicPr>
+          <p:nvPr/>
+        </p:nvPicPr>
+        <p:blipFill>
+          <a:blip r:embed="rId3" cstate="print"/>
+          <a:stretch>
+            <a:fillRect/>
+          </a:stretch>
+        </p:blipFill>
+        <p:spPr>
+          <a:xfrm>
+            <a:off x="1907704" y="2924944"/>
+            <a:ext cx="4638675" cy="3238500"/>
+          </a:xfrm>
+          <a:prstGeom prst="rect">
+            <a:avLst/>
+          </a:prstGeom>
+        </p:spPr>
+      </p:pic>
+      <p:sp>
+        <p:nvSpPr>
+          <p:cNvPr id="6" name="Down Arrow 5"/>
+          <p:cNvSpPr/>
+          <p:nvPr/>
+        </p:nvSpPr>
+        <p:spPr>
+          <a:xfrm rot="7444106">
+            <a:off x="2143282" y="3067315"/>
+            <a:ext cx="157921" cy="304913"/>
+          </a:xfrm>
+          <a:prstGeom prst="downArrow">
+            <a:avLst/>
+          </a:prstGeom>
+          <a:scene3d>
+            <a:camera prst="orthographicFront">
+              <a:rot lat="0" lon="0" rev="0"/>
+            </a:camera>
+            <a:lightRig rig="threePt" dir="t"/>
+          </a:scene3d>
+        </p:spPr>
+        <p:style>
+          <a:lnRef idx="2">
+            <a:schemeClr val="accent1">
+              <a:shade val="50000"/>
+            </a:schemeClr>
+          </a:lnRef>
+          <a:fillRef idx="1">
+            <a:schemeClr val="accent1"/>
+          </a:fillRef>
+          <a:effectRef idx="0">
+            <a:schemeClr val="accent1"/>
+          </a:effectRef>
+          <a:fontRef idx="minor">
+            <a:schemeClr val="lt1"/>
+          </a:fontRef>
+        </p:style>
+        <p:txBody>
+          <a:bodyPr rtlCol="0" anchor="ctr"/>
+          <a:lstStyle/>
+          <a:p>
+            <a:pPr algn="ctr"/>
+            <a:endParaRPr lang="en-GB"/>
+          </a:p>
+        </p:txBody>
+      </p:sp>
+      <p:sp>
+        <p:nvSpPr>
+          <p:cNvPr id="11" name="Down Arrow 10"/>
+          <p:cNvSpPr/>
+          <p:nvPr/>
+        </p:nvSpPr>
+        <p:spPr>
+          <a:xfrm rot="7444106">
+            <a:off x="6224849" y="3079468"/>
+            <a:ext cx="167141" cy="267017"/>
+          </a:xfrm>
+          <a:prstGeom prst="downArrow">
+            <a:avLst/>
+          </a:prstGeom>
+          <a:scene3d>
+            <a:camera prst="orthographicFront">
+              <a:rot lat="0" lon="0" rev="15600000"/>
+            </a:camera>
+            <a:lightRig rig="threePt" dir="t"/>
+          </a:scene3d>
+        </p:spPr>
+        <p:style>
+          <a:lnRef idx="2">
+            <a:schemeClr val="accent1">
+              <a:shade val="50000"/>
+            </a:schemeClr>
+          </a:lnRef>
+          <a:fillRef idx="1">
+            <a:schemeClr val="accent1"/>
+          </a:fillRef>
+          <a:effectRef idx="0">
+            <a:schemeClr val="accent1"/>
+          </a:effectRef>
+          <a:fontRef idx="minor">
+            <a:schemeClr val="lt1"/>
+          </a:fontRef>
+        </p:style>
+        <p:txBody>
+          <a:bodyPr rtlCol="0" anchor="ctr"/>
+          <a:lstStyle/>
+          <a:p>
+            <a:pPr algn="ctr"/>
+            <a:endParaRPr lang="en-GB"/>
+          </a:p>
+        </p:txBody>
+      </p:sp>
+      <p:sp>
+        <p:nvSpPr>
+          <p:cNvPr id="12" name="Down Arrow 11"/>
+          <p:cNvSpPr/>
+          <p:nvPr/>
+        </p:nvSpPr>
+        <p:spPr>
+          <a:xfrm rot="7444106">
+            <a:off x="2238195" y="5661679"/>
+            <a:ext cx="131105" cy="345977"/>
+          </a:xfrm>
+          <a:prstGeom prst="downArrow">
+            <a:avLst/>
+          </a:prstGeom>
+          <a:scene3d>
+            <a:camera prst="orthographicFront">
+              <a:rot lat="0" lon="0" rev="4800000"/>
+            </a:camera>
+            <a:lightRig rig="threePt" dir="t"/>
+          </a:scene3d>
+        </p:spPr>
+        <p:style>
+          <a:lnRef idx="2">
+            <a:schemeClr val="accent1">
+              <a:shade val="50000"/>
+            </a:schemeClr>
+          </a:lnRef>
+          <a:fillRef idx="1">
+            <a:schemeClr val="accent1"/>
+          </a:fillRef>
+          <a:effectRef idx="0">
+            <a:schemeClr val="accent1"/>
+          </a:effectRef>
+          <a:fontRef idx="minor">
+            <a:schemeClr val="lt1"/>
+          </a:fontRef>
+        </p:style>
+        <p:txBody>
+          <a:bodyPr rtlCol="0" anchor="ctr"/>
+          <a:lstStyle/>
+          <a:p>
+            <a:pPr algn="ctr"/>
+            <a:endParaRPr lang="en-GB"/>
+          </a:p>
+        </p:txBody>
+      </p:sp>
+      <p:sp>
+        <p:nvSpPr>
+          <p:cNvPr id="13" name="Down Arrow 12"/>
+          <p:cNvSpPr/>
+          <p:nvPr/>
+        </p:nvSpPr>
+        <p:spPr>
+          <a:xfrm rot="7444106">
+            <a:off x="6054619" y="5711475"/>
+            <a:ext cx="131105" cy="345977"/>
+          </a:xfrm>
+          <a:prstGeom prst="downArrow">
+            <a:avLst/>
+          </a:prstGeom>
+          <a:scene3d>
+            <a:camera prst="orthographicFront">
+              <a:rot lat="0" lon="0" rev="10800000"/>
             </a:camera>
             <a:lightRig rig="threePt" dir="t"/>
           </a:scene3d>

--- a/images/style.pptx
+++ b/images/style.pptx
@@ -201,7 +201,7 @@
             <a:fld id="{A00E8BF8-3834-41CD-8D2C-1A8AEE216FA6}" type="datetimeFigureOut">
               <a:rPr lang="en-GB" smtClean="0"/>
               <a:pPr/>
-              <a:t>17/02/2015</a:t>
+              <a:t>18/02/2015</a:t>
             </a:fld>
             <a:endParaRPr lang="en-GB"/>
           </a:p>
@@ -731,7 +731,7 @@
             <a:fld id="{972E2E69-7931-4F78-AC03-7197C7B7D7E3}" type="datetimeFigureOut">
               <a:rPr lang="en-GB" smtClean="0"/>
               <a:pPr/>
-              <a:t>17/02/2015</a:t>
+              <a:t>18/02/2015</a:t>
             </a:fld>
             <a:endParaRPr lang="en-GB"/>
           </a:p>
@@ -898,7 +898,7 @@
             <a:fld id="{972E2E69-7931-4F78-AC03-7197C7B7D7E3}" type="datetimeFigureOut">
               <a:rPr lang="en-GB" smtClean="0"/>
               <a:pPr/>
-              <a:t>17/02/2015</a:t>
+              <a:t>18/02/2015</a:t>
             </a:fld>
             <a:endParaRPr lang="en-GB"/>
           </a:p>
@@ -1075,7 +1075,7 @@
             <a:fld id="{972E2E69-7931-4F78-AC03-7197C7B7D7E3}" type="datetimeFigureOut">
               <a:rPr lang="en-GB" smtClean="0"/>
               <a:pPr/>
-              <a:t>17/02/2015</a:t>
+              <a:t>18/02/2015</a:t>
             </a:fld>
             <a:endParaRPr lang="en-GB"/>
           </a:p>
@@ -1242,7 +1242,7 @@
             <a:fld id="{972E2E69-7931-4F78-AC03-7197C7B7D7E3}" type="datetimeFigureOut">
               <a:rPr lang="en-GB" smtClean="0"/>
               <a:pPr/>
-              <a:t>17/02/2015</a:t>
+              <a:t>18/02/2015</a:t>
             </a:fld>
             <a:endParaRPr lang="en-GB"/>
           </a:p>
@@ -1485,7 +1485,7 @@
             <a:fld id="{972E2E69-7931-4F78-AC03-7197C7B7D7E3}" type="datetimeFigureOut">
               <a:rPr lang="en-GB" smtClean="0"/>
               <a:pPr/>
-              <a:t>17/02/2015</a:t>
+              <a:t>18/02/2015</a:t>
             </a:fld>
             <a:endParaRPr lang="en-GB"/>
           </a:p>
@@ -1770,7 +1770,7 @@
             <a:fld id="{972E2E69-7931-4F78-AC03-7197C7B7D7E3}" type="datetimeFigureOut">
               <a:rPr lang="en-GB" smtClean="0"/>
               <a:pPr/>
-              <a:t>17/02/2015</a:t>
+              <a:t>18/02/2015</a:t>
             </a:fld>
             <a:endParaRPr lang="en-GB"/>
           </a:p>
@@ -2189,7 +2189,7 @@
             <a:fld id="{972E2E69-7931-4F78-AC03-7197C7B7D7E3}" type="datetimeFigureOut">
               <a:rPr lang="en-GB" smtClean="0"/>
               <a:pPr/>
-              <a:t>17/02/2015</a:t>
+              <a:t>18/02/2015</a:t>
             </a:fld>
             <a:endParaRPr lang="en-GB"/>
           </a:p>
@@ -2304,7 +2304,7 @@
             <a:fld id="{972E2E69-7931-4F78-AC03-7197C7B7D7E3}" type="datetimeFigureOut">
               <a:rPr lang="en-GB" smtClean="0"/>
               <a:pPr/>
-              <a:t>17/02/2015</a:t>
+              <a:t>18/02/2015</a:t>
             </a:fld>
             <a:endParaRPr lang="en-GB"/>
           </a:p>
@@ -2396,7 +2396,7 @@
             <a:fld id="{972E2E69-7931-4F78-AC03-7197C7B7D7E3}" type="datetimeFigureOut">
               <a:rPr lang="en-GB" smtClean="0"/>
               <a:pPr/>
-              <a:t>17/02/2015</a:t>
+              <a:t>18/02/2015</a:t>
             </a:fld>
             <a:endParaRPr lang="en-GB"/>
           </a:p>
@@ -2670,7 +2670,7 @@
             <a:fld id="{972E2E69-7931-4F78-AC03-7197C7B7D7E3}" type="datetimeFigureOut">
               <a:rPr lang="en-GB" smtClean="0"/>
               <a:pPr/>
-              <a:t>17/02/2015</a:t>
+              <a:t>18/02/2015</a:t>
             </a:fld>
             <a:endParaRPr lang="en-GB"/>
           </a:p>
@@ -2920,7 +2920,7 @@
             <a:fld id="{972E2E69-7931-4F78-AC03-7197C7B7D7E3}" type="datetimeFigureOut">
               <a:rPr lang="en-GB" smtClean="0"/>
               <a:pPr/>
-              <a:t>17/02/2015</a:t>
+              <a:t>18/02/2015</a:t>
             </a:fld>
             <a:endParaRPr lang="en-GB"/>
           </a:p>
@@ -3130,7 +3130,7 @@
             <a:fld id="{972E2E69-7931-4F78-AC03-7197C7B7D7E3}" type="datetimeFigureOut">
               <a:rPr lang="en-GB" smtClean="0"/>
               <a:pPr/>
-              <a:t>17/02/2015</a:t>
+              <a:t>18/02/2015</a:t>
             </a:fld>
             <a:endParaRPr lang="en-GB"/>
           </a:p>
@@ -6959,6 +6959,50 @@
             <a:r>
               <a:rPr lang="en-GB" dirty="0" smtClean="0"/>
               <a:t>3</a:t>
+            </a:r>
+            <a:endParaRPr lang="en-GB" dirty="0"/>
+          </a:p>
+        </p:txBody>
+      </p:sp>
+      <p:sp>
+        <p:nvSpPr>
+          <p:cNvPr id="21" name="Oval 20"/>
+          <p:cNvSpPr/>
+          <p:nvPr/>
+        </p:nvSpPr>
+        <p:spPr>
+          <a:xfrm>
+            <a:off x="2555776" y="1772816"/>
+            <a:ext cx="288032" cy="288032"/>
+          </a:xfrm>
+          <a:prstGeom prst="ellipse">
+            <a:avLst/>
+          </a:prstGeom>
+        </p:spPr>
+        <p:style>
+          <a:lnRef idx="2">
+            <a:schemeClr val="accent1">
+              <a:shade val="50000"/>
+            </a:schemeClr>
+          </a:lnRef>
+          <a:fillRef idx="1">
+            <a:schemeClr val="accent1"/>
+          </a:fillRef>
+          <a:effectRef idx="0">
+            <a:schemeClr val="accent1"/>
+          </a:effectRef>
+          <a:fontRef idx="minor">
+            <a:schemeClr val="lt1"/>
+          </a:fontRef>
+        </p:style>
+        <p:txBody>
+          <a:bodyPr rtlCol="0" anchor="ctr"/>
+          <a:lstStyle/>
+          <a:p>
+            <a:pPr algn="ctr"/>
+            <a:r>
+              <a:rPr lang="en-GB" dirty="0" smtClean="0"/>
+              <a:t>4</a:t>
             </a:r>
             <a:endParaRPr lang="en-GB" dirty="0"/>
           </a:p>

--- a/images/style.pptx
+++ b/images/style.pptx
@@ -5,7 +5,7 @@
     <p:sldMasterId id="2147483648" r:id="rId1"/>
   </p:sldMasterIdLst>
   <p:notesMasterIdLst>
-    <p:notesMasterId r:id="rId11"/>
+    <p:notesMasterId r:id="rId13"/>
   </p:notesMasterIdLst>
   <p:sldIdLst>
     <p:sldId id="256" r:id="rId2"/>
@@ -17,6 +17,8 @@
     <p:sldId id="261" r:id="rId8"/>
     <p:sldId id="262" r:id="rId9"/>
     <p:sldId id="263" r:id="rId10"/>
+    <p:sldId id="266" r:id="rId11"/>
+    <p:sldId id="267" r:id="rId12"/>
   </p:sldIdLst>
   <p:sldSz cx="9144000" cy="6858000" type="screen4x3"/>
   <p:notesSz cx="6858000" cy="9144000"/>
@@ -201,7 +203,7 @@
             <a:fld id="{A00E8BF8-3834-41CD-8D2C-1A8AEE216FA6}" type="datetimeFigureOut">
               <a:rPr lang="en-GB" smtClean="0"/>
               <a:pPr/>
-              <a:t>18/02/2015</a:t>
+              <a:t>20/02/2015</a:t>
             </a:fld>
             <a:endParaRPr lang="en-GB"/>
           </a:p>
@@ -731,7 +733,7 @@
             <a:fld id="{972E2E69-7931-4F78-AC03-7197C7B7D7E3}" type="datetimeFigureOut">
               <a:rPr lang="en-GB" smtClean="0"/>
               <a:pPr/>
-              <a:t>18/02/2015</a:t>
+              <a:t>20/02/2015</a:t>
             </a:fld>
             <a:endParaRPr lang="en-GB"/>
           </a:p>
@@ -898,7 +900,7 @@
             <a:fld id="{972E2E69-7931-4F78-AC03-7197C7B7D7E3}" type="datetimeFigureOut">
               <a:rPr lang="en-GB" smtClean="0"/>
               <a:pPr/>
-              <a:t>18/02/2015</a:t>
+              <a:t>20/02/2015</a:t>
             </a:fld>
             <a:endParaRPr lang="en-GB"/>
           </a:p>
@@ -1075,7 +1077,7 @@
             <a:fld id="{972E2E69-7931-4F78-AC03-7197C7B7D7E3}" type="datetimeFigureOut">
               <a:rPr lang="en-GB" smtClean="0"/>
               <a:pPr/>
-              <a:t>18/02/2015</a:t>
+              <a:t>20/02/2015</a:t>
             </a:fld>
             <a:endParaRPr lang="en-GB"/>
           </a:p>
@@ -1242,7 +1244,7 @@
             <a:fld id="{972E2E69-7931-4F78-AC03-7197C7B7D7E3}" type="datetimeFigureOut">
               <a:rPr lang="en-GB" smtClean="0"/>
               <a:pPr/>
-              <a:t>18/02/2015</a:t>
+              <a:t>20/02/2015</a:t>
             </a:fld>
             <a:endParaRPr lang="en-GB"/>
           </a:p>
@@ -1485,7 +1487,7 @@
             <a:fld id="{972E2E69-7931-4F78-AC03-7197C7B7D7E3}" type="datetimeFigureOut">
               <a:rPr lang="en-GB" smtClean="0"/>
               <a:pPr/>
-              <a:t>18/02/2015</a:t>
+              <a:t>20/02/2015</a:t>
             </a:fld>
             <a:endParaRPr lang="en-GB"/>
           </a:p>
@@ -1770,7 +1772,7 @@
             <a:fld id="{972E2E69-7931-4F78-AC03-7197C7B7D7E3}" type="datetimeFigureOut">
               <a:rPr lang="en-GB" smtClean="0"/>
               <a:pPr/>
-              <a:t>18/02/2015</a:t>
+              <a:t>20/02/2015</a:t>
             </a:fld>
             <a:endParaRPr lang="en-GB"/>
           </a:p>
@@ -2189,7 +2191,7 @@
             <a:fld id="{972E2E69-7931-4F78-AC03-7197C7B7D7E3}" type="datetimeFigureOut">
               <a:rPr lang="en-GB" smtClean="0"/>
               <a:pPr/>
-              <a:t>18/02/2015</a:t>
+              <a:t>20/02/2015</a:t>
             </a:fld>
             <a:endParaRPr lang="en-GB"/>
           </a:p>
@@ -2304,7 +2306,7 @@
             <a:fld id="{972E2E69-7931-4F78-AC03-7197C7B7D7E3}" type="datetimeFigureOut">
               <a:rPr lang="en-GB" smtClean="0"/>
               <a:pPr/>
-              <a:t>18/02/2015</a:t>
+              <a:t>20/02/2015</a:t>
             </a:fld>
             <a:endParaRPr lang="en-GB"/>
           </a:p>
@@ -2396,7 +2398,7 @@
             <a:fld id="{972E2E69-7931-4F78-AC03-7197C7B7D7E3}" type="datetimeFigureOut">
               <a:rPr lang="en-GB" smtClean="0"/>
               <a:pPr/>
-              <a:t>18/02/2015</a:t>
+              <a:t>20/02/2015</a:t>
             </a:fld>
             <a:endParaRPr lang="en-GB"/>
           </a:p>
@@ -2670,7 +2672,7 @@
             <a:fld id="{972E2E69-7931-4F78-AC03-7197C7B7D7E3}" type="datetimeFigureOut">
               <a:rPr lang="en-GB" smtClean="0"/>
               <a:pPr/>
-              <a:t>18/02/2015</a:t>
+              <a:t>20/02/2015</a:t>
             </a:fld>
             <a:endParaRPr lang="en-GB"/>
           </a:p>
@@ -2920,7 +2922,7 @@
             <a:fld id="{972E2E69-7931-4F78-AC03-7197C7B7D7E3}" type="datetimeFigureOut">
               <a:rPr lang="en-GB" smtClean="0"/>
               <a:pPr/>
-              <a:t>18/02/2015</a:t>
+              <a:t>20/02/2015</a:t>
             </a:fld>
             <a:endParaRPr lang="en-GB"/>
           </a:p>
@@ -3130,7 +3132,7 @@
             <a:fld id="{972E2E69-7931-4F78-AC03-7197C7B7D7E3}" type="datetimeFigureOut">
               <a:rPr lang="en-GB" smtClean="0"/>
               <a:pPr/>
-              <a:t>18/02/2015</a:t>
+              <a:t>20/02/2015</a:t>
             </a:fld>
             <a:endParaRPr lang="en-GB"/>
           </a:p>
@@ -4466,6 +4468,268 @@
           </a:p>
         </p:txBody>
       </p:sp>
+    </p:spTree>
+  </p:cSld>
+  <p:clrMapOvr>
+    <a:masterClrMapping/>
+  </p:clrMapOvr>
+</p:sld>
+</file>
+
+<file path=ppt/slides/slide10.xml><?xml version="1.0" encoding="utf-8"?>
+<p:sld xmlns:a="http://schemas.openxmlformats.org/drawingml/2006/main" xmlns:r="http://schemas.openxmlformats.org/officeDocument/2006/relationships" xmlns:p="http://schemas.openxmlformats.org/presentationml/2006/main">
+  <p:cSld>
+    <p:spTree>
+      <p:nvGrpSpPr>
+        <p:cNvPr id="1" name=""/>
+        <p:cNvGrpSpPr/>
+        <p:nvPr/>
+      </p:nvGrpSpPr>
+      <p:grpSpPr>
+        <a:xfrm>
+          <a:off x="0" y="0"/>
+          <a:ext cx="0" cy="0"/>
+          <a:chOff x="0" y="0"/>
+          <a:chExt cx="0" cy="0"/>
+        </a:xfrm>
+      </p:grpSpPr>
+      <p:pic>
+        <p:nvPicPr>
+          <p:cNvPr id="1026" name="Picture 2"/>
+          <p:cNvPicPr>
+            <a:picLocks noChangeAspect="1" noChangeArrowheads="1"/>
+          </p:cNvPicPr>
+          <p:nvPr/>
+        </p:nvPicPr>
+        <p:blipFill>
+          <a:blip r:embed="rId2" cstate="print"/>
+          <a:srcRect/>
+          <a:stretch>
+            <a:fillRect/>
+          </a:stretch>
+        </p:blipFill>
+        <p:spPr bwMode="auto">
+          <a:xfrm>
+            <a:off x="1547664" y="980728"/>
+            <a:ext cx="2085975" cy="4162425"/>
+          </a:xfrm>
+          <a:prstGeom prst="rect">
+            <a:avLst/>
+          </a:prstGeom>
+          <a:noFill/>
+          <a:ln w="9525">
+            <a:noFill/>
+            <a:miter lim="800000"/>
+            <a:headEnd/>
+            <a:tailEnd/>
+          </a:ln>
+        </p:spPr>
+      </p:pic>
+      <p:sp>
+        <p:nvSpPr>
+          <p:cNvPr id="5" name="Left Arrow 4"/>
+          <p:cNvSpPr/>
+          <p:nvPr/>
+        </p:nvSpPr>
+        <p:spPr>
+          <a:xfrm>
+            <a:off x="3419872" y="1268760"/>
+            <a:ext cx="360040" cy="144016"/>
+          </a:xfrm>
+          <a:prstGeom prst="leftArrow">
+            <a:avLst/>
+          </a:prstGeom>
+        </p:spPr>
+        <p:style>
+          <a:lnRef idx="2">
+            <a:schemeClr val="accent1">
+              <a:shade val="50000"/>
+            </a:schemeClr>
+          </a:lnRef>
+          <a:fillRef idx="1">
+            <a:schemeClr val="accent1"/>
+          </a:fillRef>
+          <a:effectRef idx="0">
+            <a:schemeClr val="accent1"/>
+          </a:effectRef>
+          <a:fontRef idx="minor">
+            <a:schemeClr val="lt1"/>
+          </a:fontRef>
+        </p:style>
+        <p:txBody>
+          <a:bodyPr rtlCol="0" anchor="ctr"/>
+          <a:lstStyle/>
+          <a:p>
+            <a:pPr algn="ctr"/>
+            <a:endParaRPr lang="en-GB"/>
+          </a:p>
+        </p:txBody>
+      </p:sp>
+      <p:sp>
+        <p:nvSpPr>
+          <p:cNvPr id="6" name="TextBox 5"/>
+          <p:cNvSpPr txBox="1"/>
+          <p:nvPr/>
+        </p:nvSpPr>
+        <p:spPr>
+          <a:xfrm>
+            <a:off x="3923928" y="1196752"/>
+            <a:ext cx="2375907" cy="276999"/>
+          </a:xfrm>
+          <a:prstGeom prst="rect">
+            <a:avLst/>
+          </a:prstGeom>
+          <a:noFill/>
+        </p:spPr>
+        <p:txBody>
+          <a:bodyPr wrap="none" rtlCol="0">
+            <a:spAutoFit/>
+          </a:bodyPr>
+          <a:lstStyle/>
+          <a:p>
+            <a:r>
+              <a:rPr lang="en-GB" sz="1200" dirty="0" smtClean="0"/>
+              <a:t>Original topic author always shown</a:t>
+            </a:r>
+            <a:endParaRPr lang="en-GB" sz="1200" dirty="0"/>
+          </a:p>
+        </p:txBody>
+      </p:sp>
+      <p:sp>
+        <p:nvSpPr>
+          <p:cNvPr id="7" name="Left Arrow 6"/>
+          <p:cNvSpPr/>
+          <p:nvPr/>
+        </p:nvSpPr>
+        <p:spPr>
+          <a:xfrm>
+            <a:off x="3419872" y="3717032"/>
+            <a:ext cx="360040" cy="144016"/>
+          </a:xfrm>
+          <a:prstGeom prst="leftArrow">
+            <a:avLst/>
+          </a:prstGeom>
+        </p:spPr>
+        <p:style>
+          <a:lnRef idx="2">
+            <a:schemeClr val="accent1">
+              <a:shade val="50000"/>
+            </a:schemeClr>
+          </a:lnRef>
+          <a:fillRef idx="1">
+            <a:schemeClr val="accent1"/>
+          </a:fillRef>
+          <a:effectRef idx="0">
+            <a:schemeClr val="accent1"/>
+          </a:effectRef>
+          <a:fontRef idx="minor">
+            <a:schemeClr val="lt1"/>
+          </a:fontRef>
+        </p:style>
+        <p:txBody>
+          <a:bodyPr rtlCol="0" anchor="ctr"/>
+          <a:lstStyle/>
+          <a:p>
+            <a:pPr algn="ctr"/>
+            <a:endParaRPr lang="en-GB"/>
+          </a:p>
+        </p:txBody>
+      </p:sp>
+      <p:sp>
+        <p:nvSpPr>
+          <p:cNvPr id="8" name="TextBox 7"/>
+          <p:cNvSpPr txBox="1"/>
+          <p:nvPr/>
+        </p:nvSpPr>
+        <p:spPr>
+          <a:xfrm>
+            <a:off x="3923928" y="3789040"/>
+            <a:ext cx="2405146" cy="276999"/>
+          </a:xfrm>
+          <a:prstGeom prst="rect">
+            <a:avLst/>
+          </a:prstGeom>
+          <a:noFill/>
+        </p:spPr>
+        <p:txBody>
+          <a:bodyPr wrap="none" rtlCol="0">
+            <a:spAutoFit/>
+          </a:bodyPr>
+          <a:lstStyle/>
+          <a:p>
+            <a:r>
+              <a:rPr lang="en-GB" sz="1200" dirty="0" smtClean="0"/>
+              <a:t>Repeated topics for multiple replies</a:t>
+            </a:r>
+            <a:endParaRPr lang="en-GB" sz="1200" dirty="0"/>
+          </a:p>
+        </p:txBody>
+      </p:sp>
+      <p:sp>
+        <p:nvSpPr>
+          <p:cNvPr id="9" name="Left Arrow 8"/>
+          <p:cNvSpPr/>
+          <p:nvPr/>
+        </p:nvSpPr>
+        <p:spPr>
+          <a:xfrm>
+            <a:off x="3419872" y="4005064"/>
+            <a:ext cx="360040" cy="144016"/>
+          </a:xfrm>
+          <a:prstGeom prst="leftArrow">
+            <a:avLst/>
+          </a:prstGeom>
+        </p:spPr>
+        <p:style>
+          <a:lnRef idx="2">
+            <a:schemeClr val="accent1">
+              <a:shade val="50000"/>
+            </a:schemeClr>
+          </a:lnRef>
+          <a:fillRef idx="1">
+            <a:schemeClr val="accent1"/>
+          </a:fillRef>
+          <a:effectRef idx="0">
+            <a:schemeClr val="accent1"/>
+          </a:effectRef>
+          <a:fontRef idx="minor">
+            <a:schemeClr val="lt1"/>
+          </a:fontRef>
+        </p:style>
+        <p:txBody>
+          <a:bodyPr rtlCol="0" anchor="ctr"/>
+          <a:lstStyle/>
+          <a:p>
+            <a:pPr algn="ctr"/>
+            <a:endParaRPr lang="en-GB"/>
+          </a:p>
+        </p:txBody>
+      </p:sp>
+    </p:spTree>
+  </p:cSld>
+  <p:clrMapOvr>
+    <a:masterClrMapping/>
+  </p:clrMapOvr>
+</p:sld>
+</file>
+
+<file path=ppt/slides/slide11.xml><?xml version="1.0" encoding="utf-8"?>
+<p:sld xmlns:a="http://schemas.openxmlformats.org/drawingml/2006/main" xmlns:r="http://schemas.openxmlformats.org/officeDocument/2006/relationships" xmlns:p="http://schemas.openxmlformats.org/presentationml/2006/main">
+  <p:cSld>
+    <p:spTree>
+      <p:nvGrpSpPr>
+        <p:cNvPr id="1" name=""/>
+        <p:cNvGrpSpPr/>
+        <p:nvPr/>
+      </p:nvGrpSpPr>
+      <p:grpSpPr>
+        <a:xfrm>
+          <a:off x="0" y="0"/>
+          <a:ext cx="0" cy="0"/>
+          <a:chOff x="0" y="0"/>
+          <a:chExt cx="0" cy="0"/>
+        </a:xfrm>
+      </p:grpSpPr>
     </p:spTree>
   </p:cSld>
   <p:clrMapOvr>

--- a/images/style.pptx
+++ b/images/style.pptx
@@ -4730,6 +4730,38 @@
           <a:chExt cx="0" cy="0"/>
         </a:xfrm>
       </p:grpSpPr>
+      <p:pic>
+        <p:nvPicPr>
+          <p:cNvPr id="1026" name="Picture 2"/>
+          <p:cNvPicPr>
+            <a:picLocks noChangeAspect="1" noChangeArrowheads="1"/>
+          </p:cNvPicPr>
+          <p:nvPr/>
+        </p:nvPicPr>
+        <p:blipFill>
+          <a:blip r:embed="rId2" cstate="print"/>
+          <a:srcRect/>
+          <a:stretch>
+            <a:fillRect/>
+          </a:stretch>
+        </p:blipFill>
+        <p:spPr bwMode="auto">
+          <a:xfrm>
+            <a:off x="3633788" y="1695450"/>
+            <a:ext cx="1876425" cy="3467100"/>
+          </a:xfrm>
+          <a:prstGeom prst="rect">
+            <a:avLst/>
+          </a:prstGeom>
+          <a:noFill/>
+          <a:ln w="9525">
+            <a:noFill/>
+            <a:miter lim="800000"/>
+            <a:headEnd/>
+            <a:tailEnd/>
+          </a:ln>
+        </p:spPr>
+      </p:pic>
     </p:spTree>
   </p:cSld>
   <p:clrMapOvr>

--- a/images/style.pptx
+++ b/images/style.pptx
@@ -5,7 +5,7 @@
     <p:sldMasterId id="2147483648" r:id="rId1"/>
   </p:sldMasterIdLst>
   <p:notesMasterIdLst>
-    <p:notesMasterId r:id="rId13"/>
+    <p:notesMasterId r:id="rId14"/>
   </p:notesMasterIdLst>
   <p:sldIdLst>
     <p:sldId id="256" r:id="rId2"/>
@@ -19,6 +19,7 @@
     <p:sldId id="263" r:id="rId10"/>
     <p:sldId id="266" r:id="rId11"/>
     <p:sldId id="267" r:id="rId12"/>
+    <p:sldId id="268" r:id="rId13"/>
   </p:sldIdLst>
   <p:sldSz cx="9144000" cy="6858000" type="screen4x3"/>
   <p:notesSz cx="6858000" cy="9144000"/>
@@ -117,6 +118,22 @@
       </a:defRPr>
     </a:lvl9pPr>
   </p:defaultTextStyle>
+  <p:extLst>
+    <p:ext uri="{EFAFB233-063F-42B5-8137-9DF3F51BA10A}">
+      <p15:sldGuideLst xmlns:p15="http://schemas.microsoft.com/office/powerpoint/2012/main">
+        <p15:guide id="1" orient="horz" pos="2160">
+          <p15:clr>
+            <a:srgbClr val="A4A3A4"/>
+          </p15:clr>
+        </p15:guide>
+        <p15:guide id="2" pos="2880">
+          <p15:clr>
+            <a:srgbClr val="A4A3A4"/>
+          </p15:clr>
+        </p15:guide>
+      </p15:sldGuideLst>
+    </p:ext>
+  </p:extLst>
 </p:presentation>
 </file>
 
@@ -203,7 +220,7 @@
             <a:fld id="{A00E8BF8-3834-41CD-8D2C-1A8AEE216FA6}" type="datetimeFigureOut">
               <a:rPr lang="en-GB" smtClean="0"/>
               <a:pPr/>
-              <a:t>20/02/2015</a:t>
+              <a:t>08/06/2015</a:t>
             </a:fld>
             <a:endParaRPr lang="en-GB"/>
           </a:p>
@@ -372,6 +389,11 @@
         </p:txBody>
       </p:sp>
     </p:spTree>
+    <p:extLst>
+      <p:ext uri="{BB962C8B-B14F-4D97-AF65-F5344CB8AC3E}">
+        <p14:creationId xmlns:p14="http://schemas.microsoft.com/office/powerpoint/2010/main" val="2763607263"/>
+      </p:ext>
+    </p:extLst>
   </p:cSld>
   <p:clrMap bg1="lt1" tx1="dk1" bg2="lt2" tx2="dk2" accent1="accent1" accent2="accent2" accent3="accent3" accent4="accent4" accent5="accent5" accent6="accent6" hlink="hlink" folHlink="folHlink"/>
   <p:notesStyle>
@@ -544,6 +566,11 @@
         </p:txBody>
       </p:sp>
     </p:spTree>
+    <p:extLst>
+      <p:ext uri="{BB962C8B-B14F-4D97-AF65-F5344CB8AC3E}">
+        <p14:creationId xmlns:p14="http://schemas.microsoft.com/office/powerpoint/2010/main" val="1804565290"/>
+      </p:ext>
+    </p:extLst>
   </p:cSld>
   <p:clrMapOvr>
     <a:masterClrMapping/>
@@ -733,7 +760,7 @@
             <a:fld id="{972E2E69-7931-4F78-AC03-7197C7B7D7E3}" type="datetimeFigureOut">
               <a:rPr lang="en-GB" smtClean="0"/>
               <a:pPr/>
-              <a:t>20/02/2015</a:t>
+              <a:t>08/06/2015</a:t>
             </a:fld>
             <a:endParaRPr lang="en-GB"/>
           </a:p>
@@ -900,7 +927,7 @@
             <a:fld id="{972E2E69-7931-4F78-AC03-7197C7B7D7E3}" type="datetimeFigureOut">
               <a:rPr lang="en-GB" smtClean="0"/>
               <a:pPr/>
-              <a:t>20/02/2015</a:t>
+              <a:t>08/06/2015</a:t>
             </a:fld>
             <a:endParaRPr lang="en-GB"/>
           </a:p>
@@ -1077,7 +1104,7 @@
             <a:fld id="{972E2E69-7931-4F78-AC03-7197C7B7D7E3}" type="datetimeFigureOut">
               <a:rPr lang="en-GB" smtClean="0"/>
               <a:pPr/>
-              <a:t>20/02/2015</a:t>
+              <a:t>08/06/2015</a:t>
             </a:fld>
             <a:endParaRPr lang="en-GB"/>
           </a:p>
@@ -1244,7 +1271,7 @@
             <a:fld id="{972E2E69-7931-4F78-AC03-7197C7B7D7E3}" type="datetimeFigureOut">
               <a:rPr lang="en-GB" smtClean="0"/>
               <a:pPr/>
-              <a:t>20/02/2015</a:t>
+              <a:t>08/06/2015</a:t>
             </a:fld>
             <a:endParaRPr lang="en-GB"/>
           </a:p>
@@ -1487,7 +1514,7 @@
             <a:fld id="{972E2E69-7931-4F78-AC03-7197C7B7D7E3}" type="datetimeFigureOut">
               <a:rPr lang="en-GB" smtClean="0"/>
               <a:pPr/>
-              <a:t>20/02/2015</a:t>
+              <a:t>08/06/2015</a:t>
             </a:fld>
             <a:endParaRPr lang="en-GB"/>
           </a:p>
@@ -1772,7 +1799,7 @@
             <a:fld id="{972E2E69-7931-4F78-AC03-7197C7B7D7E3}" type="datetimeFigureOut">
               <a:rPr lang="en-GB" smtClean="0"/>
               <a:pPr/>
-              <a:t>20/02/2015</a:t>
+              <a:t>08/06/2015</a:t>
             </a:fld>
             <a:endParaRPr lang="en-GB"/>
           </a:p>
@@ -2191,7 +2218,7 @@
             <a:fld id="{972E2E69-7931-4F78-AC03-7197C7B7D7E3}" type="datetimeFigureOut">
               <a:rPr lang="en-GB" smtClean="0"/>
               <a:pPr/>
-              <a:t>20/02/2015</a:t>
+              <a:t>08/06/2015</a:t>
             </a:fld>
             <a:endParaRPr lang="en-GB"/>
           </a:p>
@@ -2306,7 +2333,7 @@
             <a:fld id="{972E2E69-7931-4F78-AC03-7197C7B7D7E3}" type="datetimeFigureOut">
               <a:rPr lang="en-GB" smtClean="0"/>
               <a:pPr/>
-              <a:t>20/02/2015</a:t>
+              <a:t>08/06/2015</a:t>
             </a:fld>
             <a:endParaRPr lang="en-GB"/>
           </a:p>
@@ -2398,7 +2425,7 @@
             <a:fld id="{972E2E69-7931-4F78-AC03-7197C7B7D7E3}" type="datetimeFigureOut">
               <a:rPr lang="en-GB" smtClean="0"/>
               <a:pPr/>
-              <a:t>20/02/2015</a:t>
+              <a:t>08/06/2015</a:t>
             </a:fld>
             <a:endParaRPr lang="en-GB"/>
           </a:p>
@@ -2672,7 +2699,7 @@
             <a:fld id="{972E2E69-7931-4F78-AC03-7197C7B7D7E3}" type="datetimeFigureOut">
               <a:rPr lang="en-GB" smtClean="0"/>
               <a:pPr/>
-              <a:t>20/02/2015</a:t>
+              <a:t>08/06/2015</a:t>
             </a:fld>
             <a:endParaRPr lang="en-GB"/>
           </a:p>
@@ -2922,7 +2949,7 @@
             <a:fld id="{972E2E69-7931-4F78-AC03-7197C7B7D7E3}" type="datetimeFigureOut">
               <a:rPr lang="en-GB" smtClean="0"/>
               <a:pPr/>
-              <a:t>20/02/2015</a:t>
+              <a:t>08/06/2015</a:t>
             </a:fld>
             <a:endParaRPr lang="en-GB"/>
           </a:p>
@@ -3132,7 +3159,7 @@
             <a:fld id="{972E2E69-7931-4F78-AC03-7197C7B7D7E3}" type="datetimeFigureOut">
               <a:rPr lang="en-GB" smtClean="0"/>
               <a:pPr/>
-              <a:t>20/02/2015</a:t>
+              <a:t>08/06/2015</a:t>
             </a:fld>
             <a:endParaRPr lang="en-GB"/>
           </a:p>
@@ -4763,6 +4790,368 @@
         </p:spPr>
       </p:pic>
     </p:spTree>
+  </p:cSld>
+  <p:clrMapOvr>
+    <a:masterClrMapping/>
+  </p:clrMapOvr>
+</p:sld>
+</file>
+
+<file path=ppt/slides/slide12.xml><?xml version="1.0" encoding="utf-8"?>
+<p:sld xmlns:a="http://schemas.openxmlformats.org/drawingml/2006/main" xmlns:r="http://schemas.openxmlformats.org/officeDocument/2006/relationships" xmlns:p="http://schemas.openxmlformats.org/presentationml/2006/main">
+  <p:cSld>
+    <p:spTree>
+      <p:nvGrpSpPr>
+        <p:cNvPr id="1" name=""/>
+        <p:cNvGrpSpPr/>
+        <p:nvPr/>
+      </p:nvGrpSpPr>
+      <p:grpSpPr>
+        <a:xfrm>
+          <a:off x="0" y="0"/>
+          <a:ext cx="0" cy="0"/>
+          <a:chOff x="0" y="0"/>
+          <a:chExt cx="0" cy="0"/>
+        </a:xfrm>
+      </p:grpSpPr>
+      <p:pic>
+        <p:nvPicPr>
+          <p:cNvPr id="2" name="Picture 1"/>
+          <p:cNvPicPr>
+            <a:picLocks noChangeAspect="1"/>
+          </p:cNvPicPr>
+          <p:nvPr/>
+        </p:nvPicPr>
+        <p:blipFill>
+          <a:blip r:embed="rId2"/>
+          <a:stretch>
+            <a:fillRect/>
+          </a:stretch>
+        </p:blipFill>
+        <p:spPr>
+          <a:xfrm>
+            <a:off x="3198978" y="2198791"/>
+            <a:ext cx="3279964" cy="2662213"/>
+          </a:xfrm>
+          <a:prstGeom prst="rect">
+            <a:avLst/>
+          </a:prstGeom>
+        </p:spPr>
+      </p:pic>
+      <p:sp>
+        <p:nvSpPr>
+          <p:cNvPr id="6" name="Oval 5"/>
+          <p:cNvSpPr/>
+          <p:nvPr/>
+        </p:nvSpPr>
+        <p:spPr>
+          <a:xfrm>
+            <a:off x="4840872" y="2293451"/>
+            <a:ext cx="288032" cy="288032"/>
+          </a:xfrm>
+          <a:prstGeom prst="ellipse">
+            <a:avLst/>
+          </a:prstGeom>
+        </p:spPr>
+        <p:style>
+          <a:lnRef idx="2">
+            <a:schemeClr val="accent1">
+              <a:shade val="50000"/>
+            </a:schemeClr>
+          </a:lnRef>
+          <a:fillRef idx="1">
+            <a:schemeClr val="accent1"/>
+          </a:fillRef>
+          <a:effectRef idx="0">
+            <a:schemeClr val="accent1"/>
+          </a:effectRef>
+          <a:fontRef idx="minor">
+            <a:schemeClr val="lt1"/>
+          </a:fontRef>
+        </p:style>
+        <p:txBody>
+          <a:bodyPr rtlCol="0" anchor="ctr"/>
+          <a:lstStyle/>
+          <a:p>
+            <a:pPr algn="ctr"/>
+            <a:r>
+              <a:rPr lang="en-GB" dirty="0" smtClean="0"/>
+              <a:t>1</a:t>
+            </a:r>
+            <a:endParaRPr lang="en-GB" dirty="0"/>
+          </a:p>
+        </p:txBody>
+      </p:sp>
+      <p:sp>
+        <p:nvSpPr>
+          <p:cNvPr id="7" name="Oval 6"/>
+          <p:cNvSpPr/>
+          <p:nvPr/>
+        </p:nvSpPr>
+        <p:spPr>
+          <a:xfrm>
+            <a:off x="5383596" y="2852936"/>
+            <a:ext cx="288032" cy="288032"/>
+          </a:xfrm>
+          <a:prstGeom prst="ellipse">
+            <a:avLst/>
+          </a:prstGeom>
+        </p:spPr>
+        <p:style>
+          <a:lnRef idx="2">
+            <a:schemeClr val="accent1">
+              <a:shade val="50000"/>
+            </a:schemeClr>
+          </a:lnRef>
+          <a:fillRef idx="1">
+            <a:schemeClr val="accent1"/>
+          </a:fillRef>
+          <a:effectRef idx="0">
+            <a:schemeClr val="accent1"/>
+          </a:effectRef>
+          <a:fontRef idx="minor">
+            <a:schemeClr val="lt1"/>
+          </a:fontRef>
+        </p:style>
+        <p:txBody>
+          <a:bodyPr rtlCol="0" anchor="ctr"/>
+          <a:lstStyle/>
+          <a:p>
+            <a:pPr algn="ctr"/>
+            <a:r>
+              <a:rPr lang="en-GB" dirty="0" smtClean="0"/>
+              <a:t>4</a:t>
+            </a:r>
+            <a:endParaRPr lang="en-GB" dirty="0"/>
+          </a:p>
+        </p:txBody>
+      </p:sp>
+      <p:sp>
+        <p:nvSpPr>
+          <p:cNvPr id="8" name="Oval 7"/>
+          <p:cNvSpPr/>
+          <p:nvPr/>
+        </p:nvSpPr>
+        <p:spPr>
+          <a:xfrm>
+            <a:off x="3444250" y="2895419"/>
+            <a:ext cx="288032" cy="288032"/>
+          </a:xfrm>
+          <a:prstGeom prst="ellipse">
+            <a:avLst/>
+          </a:prstGeom>
+        </p:spPr>
+        <p:style>
+          <a:lnRef idx="2">
+            <a:schemeClr val="accent1">
+              <a:shade val="50000"/>
+            </a:schemeClr>
+          </a:lnRef>
+          <a:fillRef idx="1">
+            <a:schemeClr val="accent1"/>
+          </a:fillRef>
+          <a:effectRef idx="0">
+            <a:schemeClr val="accent1"/>
+          </a:effectRef>
+          <a:fontRef idx="minor">
+            <a:schemeClr val="lt1"/>
+          </a:fontRef>
+        </p:style>
+        <p:txBody>
+          <a:bodyPr rtlCol="0" anchor="ctr"/>
+          <a:lstStyle/>
+          <a:p>
+            <a:pPr algn="ctr"/>
+            <a:r>
+              <a:rPr lang="en-GB" dirty="0" smtClean="0"/>
+              <a:t>3</a:t>
+            </a:r>
+            <a:endParaRPr lang="en-GB" dirty="0"/>
+          </a:p>
+        </p:txBody>
+      </p:sp>
+      <p:sp>
+        <p:nvSpPr>
+          <p:cNvPr id="9" name="Oval 8"/>
+          <p:cNvSpPr/>
+          <p:nvPr/>
+        </p:nvSpPr>
+        <p:spPr>
+          <a:xfrm>
+            <a:off x="5239580" y="3412346"/>
+            <a:ext cx="288032" cy="288032"/>
+          </a:xfrm>
+          <a:prstGeom prst="ellipse">
+            <a:avLst/>
+          </a:prstGeom>
+        </p:spPr>
+        <p:style>
+          <a:lnRef idx="2">
+            <a:schemeClr val="accent1">
+              <a:shade val="50000"/>
+            </a:schemeClr>
+          </a:lnRef>
+          <a:fillRef idx="1">
+            <a:schemeClr val="accent1"/>
+          </a:fillRef>
+          <a:effectRef idx="0">
+            <a:schemeClr val="accent1"/>
+          </a:effectRef>
+          <a:fontRef idx="minor">
+            <a:schemeClr val="lt1"/>
+          </a:fontRef>
+        </p:style>
+        <p:txBody>
+          <a:bodyPr rtlCol="0" anchor="ctr"/>
+          <a:lstStyle/>
+          <a:p>
+            <a:pPr algn="ctr"/>
+            <a:r>
+              <a:rPr lang="en-GB" dirty="0" smtClean="0"/>
+              <a:t>6</a:t>
+            </a:r>
+            <a:endParaRPr lang="en-GB" dirty="0"/>
+          </a:p>
+        </p:txBody>
+      </p:sp>
+      <p:sp>
+        <p:nvSpPr>
+          <p:cNvPr id="10" name="Oval 9"/>
+          <p:cNvSpPr/>
+          <p:nvPr/>
+        </p:nvSpPr>
+        <p:spPr>
+          <a:xfrm>
+            <a:off x="5095564" y="3140968"/>
+            <a:ext cx="288032" cy="288032"/>
+          </a:xfrm>
+          <a:prstGeom prst="ellipse">
+            <a:avLst/>
+          </a:prstGeom>
+        </p:spPr>
+        <p:style>
+          <a:lnRef idx="2">
+            <a:schemeClr val="accent1">
+              <a:shade val="50000"/>
+            </a:schemeClr>
+          </a:lnRef>
+          <a:fillRef idx="1">
+            <a:schemeClr val="accent1"/>
+          </a:fillRef>
+          <a:effectRef idx="0">
+            <a:schemeClr val="accent1"/>
+          </a:effectRef>
+          <a:fontRef idx="minor">
+            <a:schemeClr val="lt1"/>
+          </a:fontRef>
+        </p:style>
+        <p:txBody>
+          <a:bodyPr rtlCol="0" anchor="ctr"/>
+          <a:lstStyle/>
+          <a:p>
+            <a:pPr algn="ctr"/>
+            <a:r>
+              <a:rPr lang="en-GB" dirty="0" smtClean="0"/>
+              <a:t>5</a:t>
+            </a:r>
+            <a:endParaRPr lang="en-GB" dirty="0"/>
+          </a:p>
+        </p:txBody>
+      </p:sp>
+      <p:sp>
+        <p:nvSpPr>
+          <p:cNvPr id="14" name="Oval 13"/>
+          <p:cNvSpPr/>
+          <p:nvPr/>
+        </p:nvSpPr>
+        <p:spPr>
+          <a:xfrm>
+            <a:off x="4380021" y="2564904"/>
+            <a:ext cx="316835" cy="288032"/>
+          </a:xfrm>
+          <a:prstGeom prst="ellipse">
+            <a:avLst/>
+          </a:prstGeom>
+        </p:spPr>
+        <p:style>
+          <a:lnRef idx="2">
+            <a:schemeClr val="accent1">
+              <a:shade val="50000"/>
+            </a:schemeClr>
+          </a:lnRef>
+          <a:fillRef idx="1">
+            <a:schemeClr val="accent1"/>
+          </a:fillRef>
+          <a:effectRef idx="0">
+            <a:schemeClr val="accent1"/>
+          </a:effectRef>
+          <a:fontRef idx="minor">
+            <a:schemeClr val="lt1"/>
+          </a:fontRef>
+        </p:style>
+        <p:txBody>
+          <a:bodyPr rtlCol="0" anchor="ctr"/>
+          <a:lstStyle/>
+          <a:p>
+            <a:pPr algn="ctr"/>
+            <a:r>
+              <a:rPr lang="en-GB" dirty="0" smtClean="0"/>
+              <a:t>2</a:t>
+            </a:r>
+            <a:endParaRPr lang="en-GB" dirty="0"/>
+          </a:p>
+        </p:txBody>
+      </p:sp>
+      <p:sp>
+        <p:nvSpPr>
+          <p:cNvPr id="16" name="Oval 15"/>
+          <p:cNvSpPr/>
+          <p:nvPr/>
+        </p:nvSpPr>
+        <p:spPr>
+          <a:xfrm>
+            <a:off x="3444250" y="3429000"/>
+            <a:ext cx="288032" cy="288032"/>
+          </a:xfrm>
+          <a:prstGeom prst="ellipse">
+            <a:avLst/>
+          </a:prstGeom>
+        </p:spPr>
+        <p:style>
+          <a:lnRef idx="2">
+            <a:schemeClr val="accent1">
+              <a:shade val="50000"/>
+            </a:schemeClr>
+          </a:lnRef>
+          <a:fillRef idx="1">
+            <a:schemeClr val="accent1"/>
+          </a:fillRef>
+          <a:effectRef idx="0">
+            <a:schemeClr val="accent1"/>
+          </a:effectRef>
+          <a:fontRef idx="minor">
+            <a:schemeClr val="lt1"/>
+          </a:fontRef>
+        </p:style>
+        <p:txBody>
+          <a:bodyPr rtlCol="0" anchor="ctr"/>
+          <a:lstStyle/>
+          <a:p>
+            <a:pPr algn="ctr"/>
+            <a:r>
+              <a:rPr lang="en-GB" dirty="0" smtClean="0"/>
+              <a:t>3</a:t>
+            </a:r>
+            <a:endParaRPr lang="en-GB" dirty="0"/>
+          </a:p>
+        </p:txBody>
+      </p:sp>
+    </p:spTree>
+    <p:extLst>
+      <p:ext uri="{BB962C8B-B14F-4D97-AF65-F5344CB8AC3E}">
+        <p14:creationId xmlns:p14="http://schemas.microsoft.com/office/powerpoint/2010/main" val="1000647253"/>
+      </p:ext>
+    </p:extLst>
   </p:cSld>
   <p:clrMapOvr>
     <a:masterClrMapping/>
